--- a/Paper Review/(210623) AttnIO Knowledge Graph Exploration with In-and-Out Attention Flow for Knowledge-Grounded Dialogue(이천솔).pptx
+++ b/Paper Review/(210623) AttnIO Knowledge Graph Exploration with In-and-Out Attention Flow for Knowledge-Grounded Dialogue(이천솔).pptx
@@ -6,7 +6,7 @@
     <p:sldMasterId id="2147483660" r:id="rId2"/>
   </p:sldMasterIdLst>
   <p:notesMasterIdLst>
-    <p:notesMasterId r:id="rId24"/>
+    <p:notesMasterId r:id="rId25"/>
   </p:notesMasterIdLst>
   <p:sldIdLst>
     <p:sldId id="271" r:id="rId3"/>
@@ -21,44 +21,45 @@
     <p:sldId id="375" r:id="rId12"/>
     <p:sldId id="374" r:id="rId13"/>
     <p:sldId id="383" r:id="rId14"/>
-    <p:sldId id="369" r:id="rId15"/>
-    <p:sldId id="376" r:id="rId16"/>
-    <p:sldId id="377" r:id="rId17"/>
-    <p:sldId id="382" r:id="rId18"/>
-    <p:sldId id="370" r:id="rId19"/>
-    <p:sldId id="355" r:id="rId20"/>
-    <p:sldId id="381" r:id="rId21"/>
-    <p:sldId id="367" r:id="rId22"/>
-    <p:sldId id="379" r:id="rId23"/>
+    <p:sldId id="384" r:id="rId15"/>
+    <p:sldId id="369" r:id="rId16"/>
+    <p:sldId id="376" r:id="rId17"/>
+    <p:sldId id="377" r:id="rId18"/>
+    <p:sldId id="382" r:id="rId19"/>
+    <p:sldId id="370" r:id="rId20"/>
+    <p:sldId id="355" r:id="rId21"/>
+    <p:sldId id="381" r:id="rId22"/>
+    <p:sldId id="367" r:id="rId23"/>
+    <p:sldId id="379" r:id="rId24"/>
   </p:sldIdLst>
   <p:sldSz cx="12192000" cy="6858000"/>
   <p:notesSz cx="6858000" cy="9144000"/>
   <p:embeddedFontLst>
     <p:embeddedFont>
       <p:font typeface="나눔스퀘어" panose="020B0600000101010101" pitchFamily="50" charset="-127"/>
-      <p:regular r:id="rId25"/>
-      <p:bold r:id="rId26"/>
-      <p:italic r:id="rId27"/>
-      <p:boldItalic r:id="rId28"/>
+      <p:regular r:id="rId26"/>
+      <p:bold r:id="rId27"/>
+      <p:italic r:id="rId28"/>
+      <p:boldItalic r:id="rId29"/>
     </p:embeddedFont>
     <p:embeddedFont>
       <p:font typeface="나눔스퀘어 Bold" panose="020B0600000101010101" pitchFamily="50" charset="-127"/>
-      <p:regular r:id="rId29"/>
-      <p:bold r:id="rId30"/>
-      <p:italic r:id="rId31"/>
-      <p:boldItalic r:id="rId32"/>
+      <p:regular r:id="rId30"/>
+      <p:bold r:id="rId31"/>
+      <p:italic r:id="rId32"/>
+      <p:boldItalic r:id="rId33"/>
     </p:embeddedFont>
     <p:embeddedFont>
       <p:font typeface="나눔스퀘어 ExtraBold" panose="020B0600000101010101" pitchFamily="50" charset="-127"/>
-      <p:regular r:id="rId33"/>
-      <p:bold r:id="rId34"/>
-      <p:italic r:id="rId35"/>
-      <p:boldItalic r:id="rId36"/>
+      <p:regular r:id="rId34"/>
+      <p:bold r:id="rId35"/>
+      <p:italic r:id="rId36"/>
+      <p:boldItalic r:id="rId37"/>
     </p:embeddedFont>
     <p:embeddedFont>
       <p:font typeface="맑은 고딕" panose="020B0503020000020004" pitchFamily="50" charset="-127"/>
-      <p:regular r:id="rId37"/>
-      <p:bold r:id="rId38"/>
+      <p:regular r:id="rId38"/>
+      <p:bold r:id="rId39"/>
     </p:embeddedFont>
   </p:embeddedFontLst>
   <p:defaultTextStyle>
@@ -1033,7 +1034,7 @@
     </p:spTree>
     <p:extLst>
       <p:ext uri="{BB962C8B-B14F-4D97-AF65-F5344CB8AC3E}">
-        <p14:creationId xmlns:p14="http://schemas.microsoft.com/office/powerpoint/2010/main" val="1403961687"/>
+        <p14:creationId xmlns:p14="http://schemas.microsoft.com/office/powerpoint/2010/main" val="445892611"/>
       </p:ext>
     </p:extLst>
   </p:cSld>
@@ -1126,7 +1127,7 @@
     </p:spTree>
     <p:extLst>
       <p:ext uri="{BB962C8B-B14F-4D97-AF65-F5344CB8AC3E}">
-        <p14:creationId xmlns:p14="http://schemas.microsoft.com/office/powerpoint/2010/main" val="3569195082"/>
+        <p14:creationId xmlns:p14="http://schemas.microsoft.com/office/powerpoint/2010/main" val="1403961687"/>
       </p:ext>
     </p:extLst>
   </p:cSld>
@@ -1219,7 +1220,7 @@
     </p:spTree>
     <p:extLst>
       <p:ext uri="{BB962C8B-B14F-4D97-AF65-F5344CB8AC3E}">
-        <p14:creationId xmlns:p14="http://schemas.microsoft.com/office/powerpoint/2010/main" val="368876799"/>
+        <p14:creationId xmlns:p14="http://schemas.microsoft.com/office/powerpoint/2010/main" val="3569195082"/>
       </p:ext>
     </p:extLst>
   </p:cSld>
@@ -1312,7 +1313,7 @@
     </p:spTree>
     <p:extLst>
       <p:ext uri="{BB962C8B-B14F-4D97-AF65-F5344CB8AC3E}">
-        <p14:creationId xmlns:p14="http://schemas.microsoft.com/office/powerpoint/2010/main" val="1658871728"/>
+        <p14:creationId xmlns:p14="http://schemas.microsoft.com/office/powerpoint/2010/main" val="368876799"/>
       </p:ext>
     </p:extLst>
   </p:cSld>
@@ -1405,7 +1406,7 @@
     </p:spTree>
     <p:extLst>
       <p:ext uri="{BB962C8B-B14F-4D97-AF65-F5344CB8AC3E}">
-        <p14:creationId xmlns:p14="http://schemas.microsoft.com/office/powerpoint/2010/main" val="2446254995"/>
+        <p14:creationId xmlns:p14="http://schemas.microsoft.com/office/powerpoint/2010/main" val="1658871728"/>
       </p:ext>
     </p:extLst>
   </p:cSld>
@@ -1459,7 +1460,16 @@
           <a:bodyPr/>
           <a:lstStyle/>
           <a:p>
-            <a:endParaRPr kumimoji="1" lang="ko-Kore-KR" altLang="en-US" dirty="0"/>
+            <a:pPr lvl="0" latinLnBrk="1"/>
+            <a:endParaRPr lang="ko-Kore-KR" altLang="ko-Kore-KR" sz="1200" kern="1200" dirty="0">
+              <a:solidFill>
+                <a:schemeClr val="tx1"/>
+              </a:solidFill>
+              <a:effectLst/>
+              <a:latin typeface="+mn-lt"/>
+              <a:ea typeface="+mn-ea"/>
+              <a:cs typeface="+mn-cs"/>
+            </a:endParaRPr>
           </a:p>
         </p:txBody>
       </p:sp>
@@ -1489,7 +1499,7 @@
     </p:spTree>
     <p:extLst>
       <p:ext uri="{BB962C8B-B14F-4D97-AF65-F5344CB8AC3E}">
-        <p14:creationId xmlns:p14="http://schemas.microsoft.com/office/powerpoint/2010/main" val="1028617148"/>
+        <p14:creationId xmlns:p14="http://schemas.microsoft.com/office/powerpoint/2010/main" val="2446254995"/>
       </p:ext>
     </p:extLst>
   </p:cSld>
@@ -1543,16 +1553,7 @@
           <a:bodyPr/>
           <a:lstStyle/>
           <a:p>
-            <a:pPr lvl="0" latinLnBrk="1"/>
-            <a:endParaRPr lang="ko-Kore-KR" altLang="ko-Kore-KR" sz="1200" kern="1200" dirty="0">
-              <a:solidFill>
-                <a:schemeClr val="tx1"/>
-              </a:solidFill>
-              <a:effectLst/>
-              <a:latin typeface="+mn-lt"/>
-              <a:ea typeface="+mn-ea"/>
-              <a:cs typeface="+mn-cs"/>
-            </a:endParaRPr>
+            <a:endParaRPr kumimoji="1" lang="ko-Kore-KR" altLang="en-US" dirty="0"/>
           </a:p>
         </p:txBody>
       </p:sp>
@@ -1582,7 +1583,7 @@
     </p:spTree>
     <p:extLst>
       <p:ext uri="{BB962C8B-B14F-4D97-AF65-F5344CB8AC3E}">
-        <p14:creationId xmlns:p14="http://schemas.microsoft.com/office/powerpoint/2010/main" val="477386785"/>
+        <p14:creationId xmlns:p14="http://schemas.microsoft.com/office/powerpoint/2010/main" val="1028617148"/>
       </p:ext>
     </p:extLst>
   </p:cSld>
@@ -1720,7 +1721,16 @@
           <a:bodyPr/>
           <a:lstStyle/>
           <a:p>
-            <a:endParaRPr kumimoji="1" lang="ko-Kore-KR" altLang="en-US" dirty="0"/>
+            <a:pPr lvl="0" latinLnBrk="1"/>
+            <a:endParaRPr lang="ko-Kore-KR" altLang="ko-Kore-KR" sz="1200" kern="1200" dirty="0">
+              <a:solidFill>
+                <a:schemeClr val="tx1"/>
+              </a:solidFill>
+              <a:effectLst/>
+              <a:latin typeface="+mn-lt"/>
+              <a:ea typeface="+mn-ea"/>
+              <a:cs typeface="+mn-cs"/>
+            </a:endParaRPr>
           </a:p>
         </p:txBody>
       </p:sp>
@@ -1742,6 +1752,90 @@
             <a:fld id="{A6D2D542-DABB-4C15-B84D-79736C01EC07}" type="slidenum">
               <a:rPr lang="ko-KR" altLang="en-US" smtClean="0"/>
               <a:t>20</a:t>
+            </a:fld>
+            <a:endParaRPr lang="ko-KR" altLang="en-US"/>
+          </a:p>
+        </p:txBody>
+      </p:sp>
+    </p:spTree>
+    <p:extLst>
+      <p:ext uri="{BB962C8B-B14F-4D97-AF65-F5344CB8AC3E}">
+        <p14:creationId xmlns:p14="http://schemas.microsoft.com/office/powerpoint/2010/main" val="477386785"/>
+      </p:ext>
+    </p:extLst>
+  </p:cSld>
+  <p:clrMapOvr>
+    <a:masterClrMapping/>
+  </p:clrMapOvr>
+</p:notes>
+</file>
+
+<file path=ppt/notesSlides/notesSlide21.xml><?xml version="1.0" encoding="utf-8"?>
+<p:notes xmlns:a="http://schemas.openxmlformats.org/drawingml/2006/main" xmlns:r="http://schemas.openxmlformats.org/officeDocument/2006/relationships" xmlns:p="http://schemas.openxmlformats.org/presentationml/2006/main">
+  <p:cSld>
+    <p:spTree>
+      <p:nvGrpSpPr>
+        <p:cNvPr id="1" name=""/>
+        <p:cNvGrpSpPr/>
+        <p:nvPr/>
+      </p:nvGrpSpPr>
+      <p:grpSpPr>
+        <a:xfrm>
+          <a:off x="0" y="0"/>
+          <a:ext cx="0" cy="0"/>
+          <a:chOff x="0" y="0"/>
+          <a:chExt cx="0" cy="0"/>
+        </a:xfrm>
+      </p:grpSpPr>
+      <p:sp>
+        <p:nvSpPr>
+          <p:cNvPr id="2" name="슬라이드 이미지 개체 틀 1"/>
+          <p:cNvSpPr>
+            <a:spLocks noGrp="1" noRot="1" noChangeAspect="1"/>
+          </p:cNvSpPr>
+          <p:nvPr>
+            <p:ph type="sldImg"/>
+          </p:nvPr>
+        </p:nvSpPr>
+        <p:spPr/>
+      </p:sp>
+      <p:sp>
+        <p:nvSpPr>
+          <p:cNvPr id="3" name="슬라이드 노트 개체 틀 2"/>
+          <p:cNvSpPr>
+            <a:spLocks noGrp="1"/>
+          </p:cNvSpPr>
+          <p:nvPr>
+            <p:ph type="body" idx="1"/>
+          </p:nvPr>
+        </p:nvSpPr>
+        <p:spPr/>
+        <p:txBody>
+          <a:bodyPr/>
+          <a:lstStyle/>
+          <a:p>
+            <a:endParaRPr kumimoji="1" lang="ko-Kore-KR" altLang="en-US" dirty="0"/>
+          </a:p>
+        </p:txBody>
+      </p:sp>
+      <p:sp>
+        <p:nvSpPr>
+          <p:cNvPr id="4" name="슬라이드 번호 개체 틀 3"/>
+          <p:cNvSpPr>
+            <a:spLocks noGrp="1"/>
+          </p:cNvSpPr>
+          <p:nvPr>
+            <p:ph type="sldNum" sz="quarter" idx="5"/>
+          </p:nvPr>
+        </p:nvSpPr>
+        <p:spPr/>
+        <p:txBody>
+          <a:bodyPr/>
+          <a:lstStyle/>
+          <a:p>
+            <a:fld id="{A6D2D542-DABB-4C15-B84D-79736C01EC07}" type="slidenum">
+              <a:rPr lang="ko-KR" altLang="en-US" smtClean="0"/>
+              <a:t>21</a:t>
             </a:fld>
             <a:endParaRPr lang="ko-KR" altLang="en-US"/>
           </a:p>
@@ -8650,8 +8744,21 @@
                 <a:ea typeface="나눔스퀘어 Bold" panose="020B0600000101010101" pitchFamily="50" charset="-127"/>
                 <a:cs typeface="Arial" panose="020B0604020202020204" pitchFamily="34" charset="0"/>
               </a:rPr>
-              <a:t>Date : 2021.06.09</a:t>
-            </a:r>
+              <a:t>Date </a:t>
+            </a:r>
+            <a:r>
+              <a:rPr lang="en-US" altLang="ko-KR" sz="2000">
+                <a:latin typeface="나눔스퀘어 Bold" panose="020B0600000101010101" pitchFamily="50" charset="-127"/>
+                <a:ea typeface="나눔스퀘어 Bold" panose="020B0600000101010101" pitchFamily="50" charset="-127"/>
+                <a:cs typeface="Arial" panose="020B0604020202020204" pitchFamily="34" charset="0"/>
+              </a:rPr>
+              <a:t>: 2021.06.23</a:t>
+            </a:r>
+            <a:endParaRPr lang="en-US" altLang="ko-KR" sz="2000" dirty="0">
+              <a:latin typeface="나눔스퀘어 Bold" panose="020B0600000101010101" pitchFamily="50" charset="-127"/>
+              <a:ea typeface="나눔스퀘어 Bold" panose="020B0600000101010101" pitchFamily="50" charset="-127"/>
+              <a:cs typeface="Arial" panose="020B0604020202020204" pitchFamily="34" charset="0"/>
+            </a:endParaRPr>
           </a:p>
         </p:txBody>
       </p:sp>
@@ -11570,6 +11677,1146 @@
               <a:buChar char="•"/>
             </a:pPr>
             <a:r>
+              <a:rPr lang="en-US" altLang="ko-KR" dirty="0">
+                <a:latin typeface="나눔스퀘어" panose="020B0600000101010101" pitchFamily="50" charset="-127"/>
+                <a:ea typeface="나눔스퀘어" panose="020B0600000101010101" pitchFamily="50" charset="-127"/>
+                <a:cs typeface="Arial" panose="020B0604020202020204" pitchFamily="34" charset="0"/>
+              </a:rPr>
+              <a:t>Attention scoring(node/edge)</a:t>
+            </a:r>
+          </a:p>
+          <a:p>
+            <a:pPr marL="800100" lvl="1" indent="-342900">
+              <a:lnSpc>
+                <a:spcPct val="150000"/>
+              </a:lnSpc>
+              <a:buClr>
+                <a:schemeClr val="dk1"/>
+              </a:buClr>
+              <a:buSzPts val="2000"/>
+              <a:buFont typeface="Arial" panose="020B0604020202020204" pitchFamily="34" charset="0"/>
+              <a:buChar char="•"/>
+            </a:pPr>
+            <a:endParaRPr lang="en-US" altLang="ko-KR" dirty="0">
+              <a:latin typeface="나눔스퀘어" panose="020B0600000101010101" pitchFamily="50" charset="-127"/>
+              <a:ea typeface="나눔스퀘어" panose="020B0600000101010101" pitchFamily="50" charset="-127"/>
+              <a:cs typeface="Arial" panose="020B0604020202020204" pitchFamily="34" charset="0"/>
+            </a:endParaRPr>
+          </a:p>
+          <a:p>
+            <a:pPr marL="800100" lvl="1" indent="-342900">
+              <a:lnSpc>
+                <a:spcPct val="150000"/>
+              </a:lnSpc>
+              <a:buClr>
+                <a:schemeClr val="dk1"/>
+              </a:buClr>
+              <a:buSzPts val="2000"/>
+              <a:buFont typeface="Arial" panose="020B0604020202020204" pitchFamily="34" charset="0"/>
+              <a:buChar char="•"/>
+            </a:pPr>
+            <a:endParaRPr lang="en-US" altLang="ko-KR" dirty="0">
+              <a:latin typeface="나눔스퀘어" panose="020B0600000101010101" pitchFamily="50" charset="-127"/>
+              <a:ea typeface="나눔스퀘어" panose="020B0600000101010101" pitchFamily="50" charset="-127"/>
+              <a:cs typeface="Arial" panose="020B0604020202020204" pitchFamily="34" charset="0"/>
+            </a:endParaRPr>
+          </a:p>
+          <a:p>
+            <a:pPr marL="800100" lvl="1" indent="-342900">
+              <a:lnSpc>
+                <a:spcPct val="150000"/>
+              </a:lnSpc>
+              <a:buClr>
+                <a:schemeClr val="dk1"/>
+              </a:buClr>
+              <a:buSzPts val="2000"/>
+              <a:buFont typeface="Arial" panose="020B0604020202020204" pitchFamily="34" charset="0"/>
+              <a:buChar char="•"/>
+            </a:pPr>
+            <a:endParaRPr lang="en-US" altLang="ko-KR" dirty="0">
+              <a:latin typeface="나눔스퀘어" panose="020B0600000101010101" pitchFamily="50" charset="-127"/>
+              <a:ea typeface="나눔스퀘어" panose="020B0600000101010101" pitchFamily="50" charset="-127"/>
+              <a:cs typeface="Arial" panose="020B0604020202020204" pitchFamily="34" charset="0"/>
+            </a:endParaRPr>
+          </a:p>
+          <a:p>
+            <a:pPr marL="800100" lvl="1" indent="-342900">
+              <a:lnSpc>
+                <a:spcPct val="150000"/>
+              </a:lnSpc>
+              <a:buClr>
+                <a:schemeClr val="dk1"/>
+              </a:buClr>
+              <a:buSzPts val="2000"/>
+              <a:buFont typeface="Arial" panose="020B0604020202020204" pitchFamily="34" charset="0"/>
+              <a:buChar char="•"/>
+            </a:pPr>
+            <a:endParaRPr lang="en-US" altLang="ko-KR" dirty="0">
+              <a:latin typeface="나눔스퀘어" panose="020B0600000101010101" pitchFamily="50" charset="-127"/>
+              <a:ea typeface="나눔스퀘어" panose="020B0600000101010101" pitchFamily="50" charset="-127"/>
+              <a:cs typeface="Arial" panose="020B0604020202020204" pitchFamily="34" charset="0"/>
+            </a:endParaRPr>
+          </a:p>
+          <a:p>
+            <a:pPr marL="800100" lvl="1" indent="-342900">
+              <a:lnSpc>
+                <a:spcPct val="150000"/>
+              </a:lnSpc>
+              <a:buClr>
+                <a:schemeClr val="dk1"/>
+              </a:buClr>
+              <a:buSzPts val="2000"/>
+              <a:buFont typeface="Arial" panose="020B0604020202020204" pitchFamily="34" charset="0"/>
+              <a:buChar char="•"/>
+            </a:pPr>
+            <a:endParaRPr lang="en-US" altLang="ko-KR" dirty="0">
+              <a:latin typeface="나눔스퀘어" panose="020B0600000101010101" pitchFamily="50" charset="-127"/>
+              <a:ea typeface="나눔스퀘어" panose="020B0600000101010101" pitchFamily="50" charset="-127"/>
+              <a:cs typeface="Arial" panose="020B0604020202020204" pitchFamily="34" charset="0"/>
+            </a:endParaRPr>
+          </a:p>
+          <a:p>
+            <a:pPr marL="800100" lvl="1" indent="-342900">
+              <a:lnSpc>
+                <a:spcPct val="150000"/>
+              </a:lnSpc>
+              <a:buClr>
+                <a:schemeClr val="dk1"/>
+              </a:buClr>
+              <a:buSzPts val="2000"/>
+              <a:buFont typeface="Arial" panose="020B0604020202020204" pitchFamily="34" charset="0"/>
+              <a:buChar char="•"/>
+            </a:pPr>
+            <a:endParaRPr lang="en-US" altLang="ko-KR" dirty="0">
+              <a:latin typeface="나눔스퀘어" panose="020B0600000101010101" pitchFamily="50" charset="-127"/>
+              <a:ea typeface="나눔스퀘어" panose="020B0600000101010101" pitchFamily="50" charset="-127"/>
+              <a:cs typeface="Arial" panose="020B0604020202020204" pitchFamily="34" charset="0"/>
+            </a:endParaRPr>
+          </a:p>
+          <a:p>
+            <a:pPr marL="800100" lvl="1" indent="-342900">
+              <a:lnSpc>
+                <a:spcPct val="150000"/>
+              </a:lnSpc>
+              <a:buClr>
+                <a:schemeClr val="dk1"/>
+              </a:buClr>
+              <a:buSzPts val="2000"/>
+              <a:buFont typeface="Arial" panose="020B0604020202020204" pitchFamily="34" charset="0"/>
+              <a:buChar char="•"/>
+            </a:pPr>
+            <a:endParaRPr lang="en-US" altLang="ko-KR" dirty="0">
+              <a:latin typeface="나눔스퀘어" panose="020B0600000101010101" pitchFamily="50" charset="-127"/>
+              <a:ea typeface="나눔스퀘어" panose="020B0600000101010101" pitchFamily="50" charset="-127"/>
+              <a:cs typeface="Arial" panose="020B0604020202020204" pitchFamily="34" charset="0"/>
+            </a:endParaRPr>
+          </a:p>
+          <a:p>
+            <a:pPr marL="800100" lvl="1" indent="-342900">
+              <a:lnSpc>
+                <a:spcPct val="150000"/>
+              </a:lnSpc>
+              <a:buClr>
+                <a:schemeClr val="dk1"/>
+              </a:buClr>
+              <a:buSzPts val="2000"/>
+              <a:buFont typeface="Arial" panose="020B0604020202020204" pitchFamily="34" charset="0"/>
+              <a:buChar char="•"/>
+            </a:pPr>
+            <a:endParaRPr lang="en-US" altLang="ko-KR" dirty="0">
+              <a:latin typeface="나눔스퀘어" panose="020B0600000101010101" pitchFamily="50" charset="-127"/>
+              <a:ea typeface="나눔스퀘어" panose="020B0600000101010101" pitchFamily="50" charset="-127"/>
+              <a:cs typeface="Arial" panose="020B0604020202020204" pitchFamily="34" charset="0"/>
+            </a:endParaRPr>
+          </a:p>
+          <a:p>
+            <a:pPr marL="800100" lvl="1" indent="-342900">
+              <a:lnSpc>
+                <a:spcPct val="150000"/>
+              </a:lnSpc>
+              <a:buClr>
+                <a:schemeClr val="dk1"/>
+              </a:buClr>
+              <a:buSzPts val="2000"/>
+              <a:buFont typeface="Arial" panose="020B0604020202020204" pitchFamily="34" charset="0"/>
+              <a:buChar char="•"/>
+            </a:pPr>
+            <a:endParaRPr lang="en-US" altLang="ko-KR" dirty="0">
+              <a:latin typeface="나눔스퀘어" panose="020B0600000101010101" pitchFamily="50" charset="-127"/>
+              <a:ea typeface="나눔스퀘어" panose="020B0600000101010101" pitchFamily="50" charset="-127"/>
+              <a:cs typeface="Arial" panose="020B0604020202020204" pitchFamily="34" charset="0"/>
+            </a:endParaRPr>
+          </a:p>
+          <a:p>
+            <a:pPr marL="800100" lvl="1" indent="-342900">
+              <a:lnSpc>
+                <a:spcPct val="150000"/>
+              </a:lnSpc>
+              <a:buClr>
+                <a:schemeClr val="dk1"/>
+              </a:buClr>
+              <a:buSzPts val="2000"/>
+              <a:buFont typeface="Arial" panose="020B0604020202020204" pitchFamily="34" charset="0"/>
+              <a:buChar char="•"/>
+            </a:pPr>
+            <a:endParaRPr lang="en-US" altLang="ko-KR" dirty="0">
+              <a:latin typeface="나눔스퀘어" panose="020B0600000101010101" pitchFamily="50" charset="-127"/>
+              <a:ea typeface="나눔스퀘어" panose="020B0600000101010101" pitchFamily="50" charset="-127"/>
+              <a:cs typeface="Arial" panose="020B0604020202020204" pitchFamily="34" charset="0"/>
+            </a:endParaRPr>
+          </a:p>
+          <a:p>
+            <a:pPr marL="800100" lvl="1" indent="-342900">
+              <a:lnSpc>
+                <a:spcPct val="150000"/>
+              </a:lnSpc>
+              <a:buClr>
+                <a:schemeClr val="dk1"/>
+              </a:buClr>
+              <a:buSzPts val="2000"/>
+              <a:buFont typeface="Arial" panose="020B0604020202020204" pitchFamily="34" charset="0"/>
+              <a:buChar char="•"/>
+            </a:pPr>
+            <a:endParaRPr lang="en-US" altLang="ko-KR" dirty="0">
+              <a:latin typeface="나눔스퀘어" panose="020B0600000101010101" pitchFamily="50" charset="-127"/>
+              <a:ea typeface="나눔스퀘어" panose="020B0600000101010101" pitchFamily="50" charset="-127"/>
+              <a:cs typeface="Arial" panose="020B0604020202020204" pitchFamily="34" charset="0"/>
+            </a:endParaRPr>
+          </a:p>
+          <a:p>
+            <a:pPr marL="1257300" lvl="2" indent="-342900">
+              <a:lnSpc>
+                <a:spcPct val="150000"/>
+              </a:lnSpc>
+              <a:buClr>
+                <a:schemeClr val="dk1"/>
+              </a:buClr>
+              <a:buSzPts val="2000"/>
+              <a:buFont typeface="Arial" panose="020B0604020202020204" pitchFamily="34" charset="0"/>
+              <a:buChar char="•"/>
+            </a:pPr>
+            <a:endParaRPr lang="en-US" altLang="ko-KR" dirty="0">
+              <a:latin typeface="나눔스퀘어" panose="020B0600000101010101" pitchFamily="50" charset="-127"/>
+              <a:ea typeface="나눔스퀘어" panose="020B0600000101010101" pitchFamily="50" charset="-127"/>
+              <a:cs typeface="Arial" panose="020B0604020202020204" pitchFamily="34" charset="0"/>
+            </a:endParaRPr>
+          </a:p>
+        </p:txBody>
+      </p:sp>
+      <p:sp>
+        <p:nvSpPr>
+          <p:cNvPr id="4" name="직사각형 3">
+            <a:extLst>
+              <a:ext uri="{FF2B5EF4-FFF2-40B4-BE49-F238E27FC236}">
+                <a16:creationId xmlns:a16="http://schemas.microsoft.com/office/drawing/2014/main" id="{95E38619-EEA9-9945-A397-4D4254891503}"/>
+              </a:ext>
+            </a:extLst>
+          </p:cNvPr>
+          <p:cNvSpPr/>
+          <p:nvPr/>
+        </p:nvSpPr>
+        <p:spPr>
+          <a:xfrm>
+            <a:off x="0" y="314960"/>
+            <a:ext cx="12192000" cy="721360"/>
+          </a:xfrm>
+          <a:prstGeom prst="rect">
+            <a:avLst/>
+          </a:prstGeom>
+          <a:solidFill>
+            <a:srgbClr val="067A82"/>
+          </a:solidFill>
+          <a:ln>
+            <a:noFill/>
+          </a:ln>
+        </p:spPr>
+        <p:style>
+          <a:lnRef idx="2">
+            <a:schemeClr val="accent1">
+              <a:shade val="50000"/>
+            </a:schemeClr>
+          </a:lnRef>
+          <a:fillRef idx="1">
+            <a:schemeClr val="accent1"/>
+          </a:fillRef>
+          <a:effectRef idx="0">
+            <a:schemeClr val="accent1"/>
+          </a:effectRef>
+          <a:fontRef idx="minor">
+            <a:schemeClr val="lt1"/>
+          </a:fontRef>
+        </p:style>
+        <p:txBody>
+          <a:bodyPr rtlCol="0" anchor="ctr"/>
+          <a:lstStyle/>
+          <a:p>
+            <a:pPr algn="ctr"/>
+            <a:endParaRPr lang="ko-KR" altLang="en-US" dirty="0">
+              <a:latin typeface="나눔스퀘어 ExtraBold" panose="020B0600000101010101" pitchFamily="50" charset="-127"/>
+              <a:cs typeface="Arial" panose="020B0604020202020204" pitchFamily="34" charset="0"/>
+            </a:endParaRPr>
+          </a:p>
+        </p:txBody>
+      </p:sp>
+      <p:sp>
+        <p:nvSpPr>
+          <p:cNvPr id="5" name="TextBox 4">
+            <a:extLst>
+              <a:ext uri="{FF2B5EF4-FFF2-40B4-BE49-F238E27FC236}">
+                <a16:creationId xmlns:a16="http://schemas.microsoft.com/office/drawing/2014/main" id="{0AB360CE-3F90-1F4C-B4CB-091450916F3D}"/>
+              </a:ext>
+            </a:extLst>
+          </p:cNvPr>
+          <p:cNvSpPr txBox="1"/>
+          <p:nvPr/>
+        </p:nvSpPr>
+        <p:spPr>
+          <a:xfrm>
+            <a:off x="389613" y="192884"/>
+            <a:ext cx="4725717" cy="838371"/>
+          </a:xfrm>
+          <a:prstGeom prst="rect">
+            <a:avLst/>
+          </a:prstGeom>
+          <a:noFill/>
+        </p:spPr>
+        <p:txBody>
+          <a:bodyPr wrap="none" rtlCol="0">
+            <a:spAutoFit/>
+          </a:bodyPr>
+          <a:lstStyle/>
+          <a:p>
+            <a:pPr>
+              <a:lnSpc>
+                <a:spcPct val="150000"/>
+              </a:lnSpc>
+            </a:pPr>
+            <a:r>
+              <a:rPr lang="en-US" altLang="ko-KR" sz="3600" b="1" dirty="0">
+                <a:solidFill>
+                  <a:schemeClr val="bg1"/>
+                </a:solidFill>
+                <a:latin typeface="나눔스퀘어 ExtraBold" panose="020B0600000101010101" pitchFamily="50" charset="-127"/>
+                <a:ea typeface="나눔스퀘어 ExtraBold" panose="020B0600000101010101" pitchFamily="50" charset="-127"/>
+                <a:cs typeface="Arial" panose="020B0604020202020204" pitchFamily="34" charset="0"/>
+              </a:rPr>
+              <a:t>3. Proposed method</a:t>
+            </a:r>
+            <a:endParaRPr lang="en-US" altLang="ko-KR" sz="3600" b="1" dirty="0">
+              <a:solidFill>
+                <a:schemeClr val="bg2"/>
+              </a:solidFill>
+              <a:latin typeface="나눔스퀘어 ExtraBold" panose="020B0600000101010101" pitchFamily="50" charset="-127"/>
+              <a:cs typeface="Arial" panose="020B0604020202020204" pitchFamily="34" charset="0"/>
+            </a:endParaRPr>
+          </a:p>
+        </p:txBody>
+      </p:sp>
+      <p:pic>
+        <p:nvPicPr>
+          <p:cNvPr id="2" name="그림 1">
+            <a:extLst>
+              <a:ext uri="{FF2B5EF4-FFF2-40B4-BE49-F238E27FC236}">
+                <a16:creationId xmlns:a16="http://schemas.microsoft.com/office/drawing/2014/main" id="{150AEBE8-A176-4F38-B7B9-C09C8A0E04A0}"/>
+              </a:ext>
+            </a:extLst>
+          </p:cNvPr>
+          <p:cNvPicPr>
+            <a:picLocks noChangeAspect="1"/>
+          </p:cNvPicPr>
+          <p:nvPr/>
+        </p:nvPicPr>
+        <p:blipFill>
+          <a:blip r:embed="rId3"/>
+          <a:stretch>
+            <a:fillRect/>
+          </a:stretch>
+        </p:blipFill>
+        <p:spPr>
+          <a:xfrm>
+            <a:off x="7979421" y="1106133"/>
+            <a:ext cx="4088892" cy="5659721"/>
+          </a:xfrm>
+          <a:prstGeom prst="rect">
+            <a:avLst/>
+          </a:prstGeom>
+          <a:ln>
+            <a:solidFill>
+              <a:schemeClr val="tx1"/>
+            </a:solidFill>
+          </a:ln>
+        </p:spPr>
+      </p:pic>
+      <p:sp>
+        <p:nvSpPr>
+          <p:cNvPr id="18" name="직사각형 17">
+            <a:extLst>
+              <a:ext uri="{FF2B5EF4-FFF2-40B4-BE49-F238E27FC236}">
+                <a16:creationId xmlns:a16="http://schemas.microsoft.com/office/drawing/2014/main" id="{F322F53F-6E25-430C-9BA3-2815EC8915B1}"/>
+              </a:ext>
+            </a:extLst>
+          </p:cNvPr>
+          <p:cNvSpPr/>
+          <p:nvPr/>
+        </p:nvSpPr>
+        <p:spPr>
+          <a:xfrm>
+            <a:off x="9477551" y="3811991"/>
+            <a:ext cx="1681229" cy="2100612"/>
+          </a:xfrm>
+          <a:prstGeom prst="rect">
+            <a:avLst/>
+          </a:prstGeom>
+          <a:noFill/>
+          <a:ln w="28575">
+            <a:solidFill>
+              <a:srgbClr val="FF0000"/>
+            </a:solidFill>
+          </a:ln>
+        </p:spPr>
+        <p:style>
+          <a:lnRef idx="2">
+            <a:schemeClr val="accent1">
+              <a:shade val="50000"/>
+            </a:schemeClr>
+          </a:lnRef>
+          <a:fillRef idx="1">
+            <a:schemeClr val="accent1"/>
+          </a:fillRef>
+          <a:effectRef idx="0">
+            <a:schemeClr val="accent1"/>
+          </a:effectRef>
+          <a:fontRef idx="minor">
+            <a:schemeClr val="lt1"/>
+          </a:fontRef>
+        </p:style>
+        <p:txBody>
+          <a:bodyPr rtlCol="0" anchor="ctr"/>
+          <a:lstStyle/>
+          <a:p>
+            <a:pPr algn="ctr"/>
+            <a:endParaRPr lang="ko-KR" altLang="en-US" dirty="0"/>
+          </a:p>
+        </p:txBody>
+      </p:sp>
+      <p:sp>
+        <p:nvSpPr>
+          <p:cNvPr id="7" name="타원 6">
+            <a:extLst>
+              <a:ext uri="{FF2B5EF4-FFF2-40B4-BE49-F238E27FC236}">
+                <a16:creationId xmlns:a16="http://schemas.microsoft.com/office/drawing/2014/main" id="{A533BA02-6597-495A-A081-31372D5D1096}"/>
+              </a:ext>
+            </a:extLst>
+          </p:cNvPr>
+          <p:cNvSpPr/>
+          <p:nvPr/>
+        </p:nvSpPr>
+        <p:spPr>
+          <a:xfrm>
+            <a:off x="11229318" y="3859878"/>
+            <a:ext cx="302217" cy="302217"/>
+          </a:xfrm>
+          <a:prstGeom prst="ellipse">
+            <a:avLst/>
+          </a:prstGeom>
+          <a:solidFill>
+            <a:srgbClr val="FFFF00"/>
+          </a:solidFill>
+          <a:ln>
+            <a:solidFill>
+              <a:schemeClr val="tx1"/>
+            </a:solidFill>
+          </a:ln>
+        </p:spPr>
+        <p:style>
+          <a:lnRef idx="2">
+            <a:schemeClr val="accent1">
+              <a:shade val="50000"/>
+            </a:schemeClr>
+          </a:lnRef>
+          <a:fillRef idx="1">
+            <a:schemeClr val="accent1"/>
+          </a:fillRef>
+          <a:effectRef idx="0">
+            <a:schemeClr val="accent1"/>
+          </a:effectRef>
+          <a:fontRef idx="minor">
+            <a:schemeClr val="lt1"/>
+          </a:fontRef>
+        </p:style>
+        <p:txBody>
+          <a:bodyPr rtlCol="0" anchor="ctr"/>
+          <a:lstStyle/>
+          <a:p>
+            <a:pPr algn="ctr"/>
+            <a:r>
+              <a:rPr lang="en-US" altLang="ko-KR" b="1" dirty="0">
+                <a:solidFill>
+                  <a:schemeClr val="tx1"/>
+                </a:solidFill>
+              </a:rPr>
+              <a:t>3</a:t>
+            </a:r>
+            <a:endParaRPr lang="ko-KR" altLang="en-US" b="1" dirty="0">
+              <a:solidFill>
+                <a:schemeClr val="tx1"/>
+              </a:solidFill>
+            </a:endParaRPr>
+          </a:p>
+        </p:txBody>
+      </p:sp>
+      <p:sp>
+        <p:nvSpPr>
+          <p:cNvPr id="23" name="직사각형 22">
+            <a:extLst>
+              <a:ext uri="{FF2B5EF4-FFF2-40B4-BE49-F238E27FC236}">
+                <a16:creationId xmlns:a16="http://schemas.microsoft.com/office/drawing/2014/main" id="{E433BE8D-74B3-43C0-B6BD-D17306CBAF43}"/>
+              </a:ext>
+            </a:extLst>
+          </p:cNvPr>
+          <p:cNvSpPr/>
+          <p:nvPr/>
+        </p:nvSpPr>
+        <p:spPr>
+          <a:xfrm>
+            <a:off x="8152108" y="4507778"/>
+            <a:ext cx="993496" cy="309692"/>
+          </a:xfrm>
+          <a:prstGeom prst="rect">
+            <a:avLst/>
+          </a:prstGeom>
+          <a:noFill/>
+          <a:ln w="28575">
+            <a:solidFill>
+              <a:srgbClr val="0000FF"/>
+            </a:solidFill>
+          </a:ln>
+        </p:spPr>
+        <p:style>
+          <a:lnRef idx="2">
+            <a:schemeClr val="accent1">
+              <a:shade val="50000"/>
+            </a:schemeClr>
+          </a:lnRef>
+          <a:fillRef idx="1">
+            <a:schemeClr val="accent1"/>
+          </a:fillRef>
+          <a:effectRef idx="0">
+            <a:schemeClr val="accent1"/>
+          </a:effectRef>
+          <a:fontRef idx="minor">
+            <a:schemeClr val="lt1"/>
+          </a:fontRef>
+        </p:style>
+        <p:txBody>
+          <a:bodyPr rtlCol="0" anchor="ctr"/>
+          <a:lstStyle/>
+          <a:p>
+            <a:pPr algn="ctr"/>
+            <a:endParaRPr lang="ko-KR" altLang="en-US" dirty="0">
+              <a:solidFill>
+                <a:srgbClr val="0000FF"/>
+              </a:solidFill>
+            </a:endParaRPr>
+          </a:p>
+        </p:txBody>
+      </p:sp>
+      <p:pic>
+        <p:nvPicPr>
+          <p:cNvPr id="8" name="그림 7">
+            <a:extLst>
+              <a:ext uri="{FF2B5EF4-FFF2-40B4-BE49-F238E27FC236}">
+                <a16:creationId xmlns:a16="http://schemas.microsoft.com/office/drawing/2014/main" id="{823B262C-A475-4572-9F34-BE417AE73918}"/>
+              </a:ext>
+            </a:extLst>
+          </p:cNvPr>
+          <p:cNvPicPr>
+            <a:picLocks noChangeAspect="1"/>
+          </p:cNvPicPr>
+          <p:nvPr/>
+        </p:nvPicPr>
+        <p:blipFill>
+          <a:blip r:embed="rId4"/>
+          <a:stretch>
+            <a:fillRect/>
+          </a:stretch>
+        </p:blipFill>
+        <p:spPr>
+          <a:xfrm>
+            <a:off x="459096" y="3398302"/>
+            <a:ext cx="7011087" cy="3040269"/>
+          </a:xfrm>
+          <a:prstGeom prst="rect">
+            <a:avLst/>
+          </a:prstGeom>
+        </p:spPr>
+      </p:pic>
+      <p:sp>
+        <p:nvSpPr>
+          <p:cNvPr id="9" name="직사각형 8">
+            <a:extLst>
+              <a:ext uri="{FF2B5EF4-FFF2-40B4-BE49-F238E27FC236}">
+                <a16:creationId xmlns:a16="http://schemas.microsoft.com/office/drawing/2014/main" id="{465AF283-B4C3-4810-8CD7-A0D68857ACC7}"/>
+              </a:ext>
+            </a:extLst>
+          </p:cNvPr>
+          <p:cNvSpPr/>
+          <p:nvPr/>
+        </p:nvSpPr>
+        <p:spPr>
+          <a:xfrm>
+            <a:off x="3293390" y="3859878"/>
+            <a:ext cx="426203" cy="650929"/>
+          </a:xfrm>
+          <a:prstGeom prst="rect">
+            <a:avLst/>
+          </a:prstGeom>
+          <a:noFill/>
+          <a:ln w="28575">
+            <a:solidFill>
+              <a:srgbClr val="FF0000"/>
+            </a:solidFill>
+          </a:ln>
+        </p:spPr>
+        <p:style>
+          <a:lnRef idx="2">
+            <a:schemeClr val="accent1">
+              <a:shade val="50000"/>
+            </a:schemeClr>
+          </a:lnRef>
+          <a:fillRef idx="1">
+            <a:schemeClr val="accent1"/>
+          </a:fillRef>
+          <a:effectRef idx="0">
+            <a:schemeClr val="accent1"/>
+          </a:effectRef>
+          <a:fontRef idx="minor">
+            <a:schemeClr val="lt1"/>
+          </a:fontRef>
+        </p:style>
+        <p:txBody>
+          <a:bodyPr rtlCol="0" anchor="ctr"/>
+          <a:lstStyle/>
+          <a:p>
+            <a:pPr algn="ctr"/>
+            <a:endParaRPr lang="ko-KR" altLang="en-US" dirty="0"/>
+          </a:p>
+        </p:txBody>
+      </p:sp>
+      <p:sp>
+        <p:nvSpPr>
+          <p:cNvPr id="15" name="직사각형 14">
+            <a:extLst>
+              <a:ext uri="{FF2B5EF4-FFF2-40B4-BE49-F238E27FC236}">
+                <a16:creationId xmlns:a16="http://schemas.microsoft.com/office/drawing/2014/main" id="{F839B925-EA84-46E9-BCFB-8047BD663127}"/>
+              </a:ext>
+            </a:extLst>
+          </p:cNvPr>
+          <p:cNvSpPr/>
+          <p:nvPr/>
+        </p:nvSpPr>
+        <p:spPr>
+          <a:xfrm>
+            <a:off x="891153" y="3859878"/>
+            <a:ext cx="875654" cy="650929"/>
+          </a:xfrm>
+          <a:prstGeom prst="rect">
+            <a:avLst/>
+          </a:prstGeom>
+          <a:noFill/>
+          <a:ln w="28575">
+            <a:solidFill>
+              <a:srgbClr val="0000FF"/>
+            </a:solidFill>
+          </a:ln>
+        </p:spPr>
+        <p:style>
+          <a:lnRef idx="2">
+            <a:schemeClr val="accent1">
+              <a:shade val="50000"/>
+            </a:schemeClr>
+          </a:lnRef>
+          <a:fillRef idx="1">
+            <a:schemeClr val="accent1"/>
+          </a:fillRef>
+          <a:effectRef idx="0">
+            <a:schemeClr val="accent1"/>
+          </a:effectRef>
+          <a:fontRef idx="minor">
+            <a:schemeClr val="lt1"/>
+          </a:fontRef>
+        </p:style>
+        <p:txBody>
+          <a:bodyPr rtlCol="0" anchor="ctr"/>
+          <a:lstStyle/>
+          <a:p>
+            <a:pPr algn="ctr"/>
+            <a:endParaRPr lang="ko-KR" altLang="en-US" dirty="0"/>
+          </a:p>
+        </p:txBody>
+      </p:sp>
+      <p:sp>
+        <p:nvSpPr>
+          <p:cNvPr id="16" name="직사각형 15">
+            <a:extLst>
+              <a:ext uri="{FF2B5EF4-FFF2-40B4-BE49-F238E27FC236}">
+                <a16:creationId xmlns:a16="http://schemas.microsoft.com/office/drawing/2014/main" id="{F972C5F3-3B9F-4206-A00E-27E24D7F8AC3}"/>
+              </a:ext>
+            </a:extLst>
+          </p:cNvPr>
+          <p:cNvSpPr/>
+          <p:nvPr/>
+        </p:nvSpPr>
+        <p:spPr>
+          <a:xfrm>
+            <a:off x="6238713" y="3859878"/>
+            <a:ext cx="875654" cy="650929"/>
+          </a:xfrm>
+          <a:prstGeom prst="rect">
+            <a:avLst/>
+          </a:prstGeom>
+          <a:noFill/>
+          <a:ln w="28575">
+            <a:solidFill>
+              <a:srgbClr val="0000FF"/>
+            </a:solidFill>
+          </a:ln>
+        </p:spPr>
+        <p:style>
+          <a:lnRef idx="2">
+            <a:schemeClr val="accent1">
+              <a:shade val="50000"/>
+            </a:schemeClr>
+          </a:lnRef>
+          <a:fillRef idx="1">
+            <a:schemeClr val="accent1"/>
+          </a:fillRef>
+          <a:effectRef idx="0">
+            <a:schemeClr val="accent1"/>
+          </a:effectRef>
+          <a:fontRef idx="minor">
+            <a:schemeClr val="lt1"/>
+          </a:fontRef>
+        </p:style>
+        <p:txBody>
+          <a:bodyPr rtlCol="0" anchor="ctr"/>
+          <a:lstStyle/>
+          <a:p>
+            <a:pPr algn="ctr"/>
+            <a:endParaRPr lang="ko-KR" altLang="en-US" dirty="0"/>
+          </a:p>
+        </p:txBody>
+      </p:sp>
+      <p:sp>
+        <p:nvSpPr>
+          <p:cNvPr id="17" name="직사각형 16">
+            <a:extLst>
+              <a:ext uri="{FF2B5EF4-FFF2-40B4-BE49-F238E27FC236}">
+                <a16:creationId xmlns:a16="http://schemas.microsoft.com/office/drawing/2014/main" id="{FD956A8C-C2EB-4428-B615-94D827709AA9}"/>
+              </a:ext>
+            </a:extLst>
+          </p:cNvPr>
+          <p:cNvSpPr/>
+          <p:nvPr/>
+        </p:nvSpPr>
+        <p:spPr>
+          <a:xfrm>
+            <a:off x="3964639" y="3859878"/>
+            <a:ext cx="875654" cy="650929"/>
+          </a:xfrm>
+          <a:prstGeom prst="rect">
+            <a:avLst/>
+          </a:prstGeom>
+          <a:noFill/>
+          <a:ln w="28575">
+            <a:solidFill>
+              <a:srgbClr val="00B050"/>
+            </a:solidFill>
+          </a:ln>
+        </p:spPr>
+        <p:style>
+          <a:lnRef idx="2">
+            <a:schemeClr val="accent1">
+              <a:shade val="50000"/>
+            </a:schemeClr>
+          </a:lnRef>
+          <a:fillRef idx="1">
+            <a:schemeClr val="accent1"/>
+          </a:fillRef>
+          <a:effectRef idx="0">
+            <a:schemeClr val="accent1"/>
+          </a:effectRef>
+          <a:fontRef idx="minor">
+            <a:schemeClr val="lt1"/>
+          </a:fontRef>
+        </p:style>
+        <p:txBody>
+          <a:bodyPr rtlCol="0" anchor="ctr"/>
+          <a:lstStyle/>
+          <a:p>
+            <a:pPr algn="ctr"/>
+            <a:endParaRPr lang="ko-KR" altLang="en-US" dirty="0"/>
+          </a:p>
+        </p:txBody>
+      </p:sp>
+      <p:sp>
+        <p:nvSpPr>
+          <p:cNvPr id="10" name="타원 9">
+            <a:extLst>
+              <a:ext uri="{FF2B5EF4-FFF2-40B4-BE49-F238E27FC236}">
+                <a16:creationId xmlns:a16="http://schemas.microsoft.com/office/drawing/2014/main" id="{A2A1BDDF-13C4-459C-A17E-51529C607041}"/>
+              </a:ext>
+            </a:extLst>
+          </p:cNvPr>
+          <p:cNvSpPr/>
+          <p:nvPr/>
+        </p:nvSpPr>
+        <p:spPr>
+          <a:xfrm>
+            <a:off x="2842109" y="2852782"/>
+            <a:ext cx="468322" cy="468322"/>
+          </a:xfrm>
+          <a:prstGeom prst="ellipse">
+            <a:avLst/>
+          </a:prstGeom>
+          <a:solidFill>
+            <a:srgbClr val="FF0000"/>
+          </a:solidFill>
+          <a:ln>
+            <a:solidFill>
+              <a:schemeClr val="tx1"/>
+            </a:solidFill>
+          </a:ln>
+        </p:spPr>
+        <p:style>
+          <a:lnRef idx="2">
+            <a:schemeClr val="accent1">
+              <a:shade val="50000"/>
+            </a:schemeClr>
+          </a:lnRef>
+          <a:fillRef idx="1">
+            <a:schemeClr val="accent1"/>
+          </a:fillRef>
+          <a:effectRef idx="0">
+            <a:schemeClr val="accent1"/>
+          </a:effectRef>
+          <a:fontRef idx="minor">
+            <a:schemeClr val="lt1"/>
+          </a:fontRef>
+        </p:style>
+        <p:txBody>
+          <a:bodyPr rtlCol="0" anchor="ctr"/>
+          <a:lstStyle/>
+          <a:p>
+            <a:pPr algn="ctr"/>
+            <a:r>
+              <a:rPr lang="en-US" altLang="ko-KR" sz="2400" b="1" dirty="0" err="1">
+                <a:solidFill>
+                  <a:schemeClr val="tx1"/>
+                </a:solidFill>
+              </a:rPr>
+              <a:t>i</a:t>
+            </a:r>
+            <a:endParaRPr lang="ko-KR" altLang="en-US" b="1" dirty="0">
+              <a:solidFill>
+                <a:schemeClr val="tx1"/>
+              </a:solidFill>
+            </a:endParaRPr>
+          </a:p>
+        </p:txBody>
+      </p:sp>
+      <p:sp>
+        <p:nvSpPr>
+          <p:cNvPr id="20" name="타원 19">
+            <a:extLst>
+              <a:ext uri="{FF2B5EF4-FFF2-40B4-BE49-F238E27FC236}">
+                <a16:creationId xmlns:a16="http://schemas.microsoft.com/office/drawing/2014/main" id="{B024C697-4BA9-43D0-ACE1-AEF690B80E0F}"/>
+              </a:ext>
+            </a:extLst>
+          </p:cNvPr>
+          <p:cNvSpPr/>
+          <p:nvPr/>
+        </p:nvSpPr>
+        <p:spPr>
+          <a:xfrm>
+            <a:off x="4647008" y="2852782"/>
+            <a:ext cx="468322" cy="468322"/>
+          </a:xfrm>
+          <a:prstGeom prst="ellipse">
+            <a:avLst/>
+          </a:prstGeom>
+          <a:solidFill>
+            <a:srgbClr val="00B050"/>
+          </a:solidFill>
+          <a:ln>
+            <a:solidFill>
+              <a:schemeClr val="tx1"/>
+            </a:solidFill>
+          </a:ln>
+        </p:spPr>
+        <p:style>
+          <a:lnRef idx="2">
+            <a:schemeClr val="accent1">
+              <a:shade val="50000"/>
+            </a:schemeClr>
+          </a:lnRef>
+          <a:fillRef idx="1">
+            <a:schemeClr val="accent1"/>
+          </a:fillRef>
+          <a:effectRef idx="0">
+            <a:schemeClr val="accent1"/>
+          </a:effectRef>
+          <a:fontRef idx="minor">
+            <a:schemeClr val="lt1"/>
+          </a:fontRef>
+        </p:style>
+        <p:txBody>
+          <a:bodyPr rtlCol="0" anchor="ctr"/>
+          <a:lstStyle/>
+          <a:p>
+            <a:pPr algn="ctr"/>
+            <a:r>
+              <a:rPr lang="en-US" altLang="ko-KR" sz="2400" b="1" dirty="0">
+                <a:solidFill>
+                  <a:schemeClr val="tx1"/>
+                </a:solidFill>
+              </a:rPr>
+              <a:t>j</a:t>
+            </a:r>
+            <a:endParaRPr lang="ko-KR" altLang="en-US" b="1" dirty="0">
+              <a:solidFill>
+                <a:schemeClr val="tx1"/>
+              </a:solidFill>
+            </a:endParaRPr>
+          </a:p>
+        </p:txBody>
+      </p:sp>
+      <p:cxnSp>
+        <p:nvCxnSpPr>
+          <p:cNvPr id="13" name="직선 화살표 연결선 12">
+            <a:extLst>
+              <a:ext uri="{FF2B5EF4-FFF2-40B4-BE49-F238E27FC236}">
+                <a16:creationId xmlns:a16="http://schemas.microsoft.com/office/drawing/2014/main" id="{792789EE-5355-4D64-8EA3-8C8F4699BBFC}"/>
+              </a:ext>
+            </a:extLst>
+          </p:cNvPr>
+          <p:cNvCxnSpPr>
+            <a:cxnSpLocks/>
+            <a:endCxn id="20" idx="2"/>
+          </p:cNvCxnSpPr>
+          <p:nvPr/>
+        </p:nvCxnSpPr>
+        <p:spPr>
+          <a:xfrm>
+            <a:off x="3310431" y="3086943"/>
+            <a:ext cx="1336577" cy="0"/>
+          </a:xfrm>
+          <a:prstGeom prst="straightConnector1">
+            <a:avLst/>
+          </a:prstGeom>
+          <a:ln w="57150">
+            <a:solidFill>
+              <a:srgbClr val="0000FF"/>
+            </a:solidFill>
+            <a:tailEnd type="triangle"/>
+          </a:ln>
+        </p:spPr>
+        <p:style>
+          <a:lnRef idx="1">
+            <a:schemeClr val="accent1"/>
+          </a:lnRef>
+          <a:fillRef idx="0">
+            <a:schemeClr val="accent1"/>
+          </a:fillRef>
+          <a:effectRef idx="0">
+            <a:schemeClr val="accent1"/>
+          </a:effectRef>
+          <a:fontRef idx="minor">
+            <a:schemeClr val="tx1"/>
+          </a:fontRef>
+        </p:style>
+      </p:cxnSp>
+      <p:pic>
+        <p:nvPicPr>
+          <p:cNvPr id="24" name="그림 23">
+            <a:extLst>
+              <a:ext uri="{FF2B5EF4-FFF2-40B4-BE49-F238E27FC236}">
+                <a16:creationId xmlns:a16="http://schemas.microsoft.com/office/drawing/2014/main" id="{EE69C76B-6F73-4BD3-8214-63D19E30E109}"/>
+              </a:ext>
+            </a:extLst>
+          </p:cNvPr>
+          <p:cNvPicPr>
+            <a:picLocks noChangeAspect="1"/>
+          </p:cNvPicPr>
+          <p:nvPr/>
+        </p:nvPicPr>
+        <p:blipFill rotWithShape="1">
+          <a:blip r:embed="rId4"/>
+          <a:srcRect l="40331" t="16683" r="54023" b="64566"/>
+          <a:stretch/>
+        </p:blipFill>
+        <p:spPr>
+          <a:xfrm>
+            <a:off x="2955520" y="2476110"/>
+            <a:ext cx="241500" cy="347784"/>
+          </a:xfrm>
+          <a:prstGeom prst="rect">
+            <a:avLst/>
+          </a:prstGeom>
+        </p:spPr>
+      </p:pic>
+      <p:pic>
+        <p:nvPicPr>
+          <p:cNvPr id="25" name="그림 24">
+            <a:extLst>
+              <a:ext uri="{FF2B5EF4-FFF2-40B4-BE49-F238E27FC236}">
+                <a16:creationId xmlns:a16="http://schemas.microsoft.com/office/drawing/2014/main" id="{F6529D81-FC7D-4240-AA0F-040C7896FF82}"/>
+              </a:ext>
+            </a:extLst>
+          </p:cNvPr>
+          <p:cNvPicPr>
+            <a:picLocks noChangeAspect="1"/>
+          </p:cNvPicPr>
+          <p:nvPr/>
+        </p:nvPicPr>
+        <p:blipFill rotWithShape="1">
+          <a:blip r:embed="rId4"/>
+          <a:srcRect l="5526" t="15123" r="80487" b="63466"/>
+          <a:stretch/>
+        </p:blipFill>
+        <p:spPr>
+          <a:xfrm>
+            <a:off x="3626475" y="2669882"/>
+            <a:ext cx="566371" cy="375935"/>
+          </a:xfrm>
+          <a:prstGeom prst="rect">
+            <a:avLst/>
+          </a:prstGeom>
+        </p:spPr>
+      </p:pic>
+      <p:pic>
+        <p:nvPicPr>
+          <p:cNvPr id="28" name="그림 27">
+            <a:extLst>
+              <a:ext uri="{FF2B5EF4-FFF2-40B4-BE49-F238E27FC236}">
+                <a16:creationId xmlns:a16="http://schemas.microsoft.com/office/drawing/2014/main" id="{D5DBBE2B-E242-45AD-B596-296826E038E7}"/>
+              </a:ext>
+            </a:extLst>
+          </p:cNvPr>
+          <p:cNvPicPr>
+            <a:picLocks noChangeAspect="1"/>
+          </p:cNvPicPr>
+          <p:nvPr/>
+        </p:nvPicPr>
+        <p:blipFill rotWithShape="1">
+          <a:blip r:embed="rId4"/>
+          <a:srcRect l="50689" t="13607" r="37574" b="63507"/>
+          <a:stretch/>
+        </p:blipFill>
+        <p:spPr>
+          <a:xfrm>
+            <a:off x="4682792" y="2427918"/>
+            <a:ext cx="468322" cy="395976"/>
+          </a:xfrm>
+          <a:prstGeom prst="rect">
+            <a:avLst/>
+          </a:prstGeom>
+        </p:spPr>
+      </p:pic>
+    </p:spTree>
+    <p:extLst>
+      <p:ext uri="{BB962C8B-B14F-4D97-AF65-F5344CB8AC3E}">
+        <p14:creationId xmlns:p14="http://schemas.microsoft.com/office/powerpoint/2010/main" val="3789067127"/>
+      </p:ext>
+    </p:extLst>
+  </p:cSld>
+  <p:clrMapOvr>
+    <a:masterClrMapping/>
+  </p:clrMapOvr>
+</p:sld>
+</file>
+
+<file path=ppt/slides/slide13.xml><?xml version="1.0" encoding="utf-8"?>
+<p:sld xmlns:a="http://schemas.openxmlformats.org/drawingml/2006/main" xmlns:r="http://schemas.openxmlformats.org/officeDocument/2006/relationships" xmlns:p="http://schemas.openxmlformats.org/presentationml/2006/main">
+  <p:cSld>
+    <p:spTree>
+      <p:nvGrpSpPr>
+        <p:cNvPr id="1" name=""/>
+        <p:cNvGrpSpPr/>
+        <p:nvPr/>
+      </p:nvGrpSpPr>
+      <p:grpSpPr>
+        <a:xfrm>
+          <a:off x="0" y="0"/>
+          <a:ext cx="0" cy="0"/>
+          <a:chOff x="0" y="0"/>
+          <a:chExt cx="0" cy="0"/>
+        </a:xfrm>
+      </p:grpSpPr>
+      <p:sp>
+        <p:nvSpPr>
+          <p:cNvPr id="12" name="Google Shape;135;p32">
+            <a:extLst>
+              <a:ext uri="{FF2B5EF4-FFF2-40B4-BE49-F238E27FC236}">
+                <a16:creationId xmlns:a16="http://schemas.microsoft.com/office/drawing/2014/main" id="{26E55E13-5C94-4372-9291-92692DB7A27B}"/>
+              </a:ext>
+            </a:extLst>
+          </p:cNvPr>
+          <p:cNvSpPr txBox="1"/>
+          <p:nvPr/>
+        </p:nvSpPr>
+        <p:spPr>
+          <a:xfrm>
+            <a:off x="287708" y="1220682"/>
+            <a:ext cx="11616584" cy="5444434"/>
+          </a:xfrm>
+          <a:prstGeom prst="rect">
+            <a:avLst/>
+          </a:prstGeom>
+          <a:noFill/>
+          <a:ln>
+            <a:noFill/>
+          </a:ln>
+        </p:spPr>
+        <p:txBody>
+          <a:bodyPr spcFirstLastPara="1" wrap="square" lIns="91425" tIns="45700" rIns="91425" bIns="45700" anchor="t" anchorCtr="0">
+            <a:noAutofit/>
+          </a:bodyPr>
+          <a:lstStyle/>
+          <a:p>
+            <a:pPr marL="342900" indent="-342900">
+              <a:lnSpc>
+                <a:spcPct val="150000"/>
+              </a:lnSpc>
+              <a:buClr>
+                <a:schemeClr val="dk1"/>
+              </a:buClr>
+              <a:buSzPts val="2000"/>
+              <a:buFont typeface="Arial" panose="020B0604020202020204" pitchFamily="34" charset="0"/>
+              <a:buChar char="•"/>
+            </a:pPr>
+            <a:r>
+              <a:rPr lang="en-US" altLang="ko-KR" sz="2400" b="1" dirty="0">
+                <a:latin typeface="나눔스퀘어 ExtraBold" panose="020B0600000101010101" pitchFamily="50" charset="-127"/>
+                <a:ea typeface="나눔스퀘어 Bold" panose="020B0600000101010101" pitchFamily="50" charset="-127"/>
+                <a:cs typeface="Arial" panose="020B0604020202020204" pitchFamily="34" charset="0"/>
+              </a:rPr>
+              <a:t>Outgoing Attn Flow (out-flow)</a:t>
+            </a:r>
+          </a:p>
+          <a:p>
+            <a:pPr marL="800100" lvl="1" indent="-342900">
+              <a:lnSpc>
+                <a:spcPct val="150000"/>
+              </a:lnSpc>
+              <a:buClr>
+                <a:schemeClr val="dk1"/>
+              </a:buClr>
+              <a:buSzPts val="2000"/>
+              <a:buFont typeface="Arial" panose="020B0604020202020204" pitchFamily="34" charset="0"/>
+              <a:buChar char="•"/>
+            </a:pPr>
+            <a:r>
               <a:rPr lang="ko-KR" altLang="en-US" dirty="0">
                 <a:latin typeface="나눔스퀘어" panose="020B0600000101010101" pitchFamily="50" charset="-127"/>
                 <a:ea typeface="나눔스퀘어" panose="020B0600000101010101" pitchFamily="50" charset="-127"/>
@@ -12271,7 +13518,7 @@
             </a:r>
             <a:r>
               <a:rPr lang="ko-KR" altLang="en-US" dirty="0"/>
-              <a:t> 경로</a:t>
+              <a:t> 분포</a:t>
             </a:r>
           </a:p>
         </p:txBody>
@@ -12318,7 +13565,7 @@
             </a:r>
             <a:r>
               <a:rPr lang="ko-KR" altLang="en-US" dirty="0"/>
-              <a:t> 경로</a:t>
+              <a:t> 분포</a:t>
             </a:r>
           </a:p>
         </p:txBody>
@@ -12326,7 +13573,7 @@
     </p:spTree>
     <p:extLst>
       <p:ext uri="{BB962C8B-B14F-4D97-AF65-F5344CB8AC3E}">
-        <p14:creationId xmlns:p14="http://schemas.microsoft.com/office/powerpoint/2010/main" val="3789067127"/>
+        <p14:creationId xmlns:p14="http://schemas.microsoft.com/office/powerpoint/2010/main" val="998561116"/>
       </p:ext>
     </p:extLst>
   </p:cSld>
@@ -12336,7 +13583,7 @@
 </p:sld>
 </file>
 
-<file path=ppt/slides/slide13.xml><?xml version="1.0" encoding="utf-8"?>
+<file path=ppt/slides/slide14.xml><?xml version="1.0" encoding="utf-8"?>
 <p:sld xmlns:a="http://schemas.openxmlformats.org/drawingml/2006/main" xmlns:r="http://schemas.openxmlformats.org/officeDocument/2006/relationships" xmlns:p="http://schemas.openxmlformats.org/presentationml/2006/main">
   <p:cSld>
     <p:spTree>
@@ -12861,7 +14108,7 @@
 </p:sld>
 </file>
 
-<file path=ppt/slides/slide14.xml><?xml version="1.0" encoding="utf-8"?>
+<file path=ppt/slides/slide15.xml><?xml version="1.0" encoding="utf-8"?>
 <p:sld xmlns:a="http://schemas.openxmlformats.org/drawingml/2006/main" xmlns:r="http://schemas.openxmlformats.org/officeDocument/2006/relationships" xmlns:p="http://schemas.openxmlformats.org/presentationml/2006/main">
   <p:cSld>
     <p:spTree>
@@ -13436,7 +14683,7 @@
 </p:sld>
 </file>
 
-<file path=ppt/slides/slide15.xml><?xml version="1.0" encoding="utf-8"?>
+<file path=ppt/slides/slide16.xml><?xml version="1.0" encoding="utf-8"?>
 <p:sld xmlns:a="http://schemas.openxmlformats.org/drawingml/2006/main" xmlns:r="http://schemas.openxmlformats.org/officeDocument/2006/relationships" xmlns:p="http://schemas.openxmlformats.org/presentationml/2006/main">
   <p:cSld>
     <p:spTree>
@@ -14195,7 +15442,7 @@
 </p:sld>
 </file>
 
-<file path=ppt/slides/slide16.xml><?xml version="1.0" encoding="utf-8"?>
+<file path=ppt/slides/slide17.xml><?xml version="1.0" encoding="utf-8"?>
 <p:sld xmlns:a="http://schemas.openxmlformats.org/drawingml/2006/main" xmlns:r="http://schemas.openxmlformats.org/officeDocument/2006/relationships" xmlns:p="http://schemas.openxmlformats.org/presentationml/2006/main">
   <p:cSld>
     <p:spTree>
@@ -15774,7 +17021,7 @@
 </p:sld>
 </file>
 
-<file path=ppt/slides/slide17.xml><?xml version="1.0" encoding="utf-8"?>
+<file path=ppt/slides/slide18.xml><?xml version="1.0" encoding="utf-8"?>
 <p:sld xmlns:a="http://schemas.openxmlformats.org/drawingml/2006/main" xmlns:r="http://schemas.openxmlformats.org/officeDocument/2006/relationships" xmlns:p="http://schemas.openxmlformats.org/presentationml/2006/main">
   <p:cSld>
     <p:spTree>
@@ -16283,7 +17530,7 @@
 </p:sld>
 </file>
 
-<file path=ppt/slides/slide18.xml><?xml version="1.0" encoding="utf-8"?>
+<file path=ppt/slides/slide19.xml><?xml version="1.0" encoding="utf-8"?>
 <p:sld xmlns:a="http://schemas.openxmlformats.org/drawingml/2006/main" xmlns:r="http://schemas.openxmlformats.org/officeDocument/2006/relationships" xmlns:p="http://schemas.openxmlformats.org/presentationml/2006/main">
   <p:cSld>
     <p:bg>
@@ -16362,394 +17609,6 @@
   </p:cSld>
   <p:clrMapOvr>
     <a:overrideClrMapping bg1="lt1" tx1="dk1" bg2="lt2" tx2="dk2" accent1="accent1" accent2="accent2" accent3="accent3" accent4="accent4" accent5="accent5" accent6="accent6" hlink="hlink" folHlink="folHlink"/>
-  </p:clrMapOvr>
-</p:sld>
-</file>
-
-<file path=ppt/slides/slide19.xml><?xml version="1.0" encoding="utf-8"?>
-<p:sld xmlns:a="http://schemas.openxmlformats.org/drawingml/2006/main" xmlns:r="http://schemas.openxmlformats.org/officeDocument/2006/relationships" xmlns:p="http://schemas.openxmlformats.org/presentationml/2006/main">
-  <p:cSld>
-    <p:spTree>
-      <p:nvGrpSpPr>
-        <p:cNvPr id="1" name=""/>
-        <p:cNvGrpSpPr/>
-        <p:nvPr/>
-      </p:nvGrpSpPr>
-      <p:grpSpPr>
-        <a:xfrm>
-          <a:off x="0" y="0"/>
-          <a:ext cx="0" cy="0"/>
-          <a:chOff x="0" y="0"/>
-          <a:chExt cx="0" cy="0"/>
-        </a:xfrm>
-      </p:grpSpPr>
-      <p:sp>
-        <p:nvSpPr>
-          <p:cNvPr id="6" name="Google Shape;135;p32">
-            <a:extLst>
-              <a:ext uri="{FF2B5EF4-FFF2-40B4-BE49-F238E27FC236}">
-                <a16:creationId xmlns:a16="http://schemas.microsoft.com/office/drawing/2014/main" id="{7FE52F07-F114-0B4B-97E7-FF4EDD37ED29}"/>
-              </a:ext>
-            </a:extLst>
-          </p:cNvPr>
-          <p:cNvSpPr txBox="1"/>
-          <p:nvPr/>
-        </p:nvSpPr>
-        <p:spPr>
-          <a:xfrm>
-            <a:off x="287708" y="1198279"/>
-            <a:ext cx="11616584" cy="5444434"/>
-          </a:xfrm>
-          <a:prstGeom prst="rect">
-            <a:avLst/>
-          </a:prstGeom>
-          <a:noFill/>
-          <a:ln>
-            <a:noFill/>
-          </a:ln>
-        </p:spPr>
-        <p:txBody>
-          <a:bodyPr spcFirstLastPara="1" wrap="square" lIns="91425" tIns="45700" rIns="91425" bIns="45700" anchor="t" anchorCtr="0">
-            <a:noAutofit/>
-          </a:bodyPr>
-          <a:lstStyle/>
-          <a:p>
-            <a:pPr marL="342900" lvl="0" indent="-342900">
-              <a:lnSpc>
-                <a:spcPct val="150000"/>
-              </a:lnSpc>
-              <a:buClr>
-                <a:schemeClr val="dk1"/>
-              </a:buClr>
-              <a:buSzPts val="2000"/>
-              <a:buFont typeface="Arial" panose="020B0604020202020204" pitchFamily="34" charset="0"/>
-              <a:buChar char="•"/>
-            </a:pPr>
-            <a:r>
-              <a:rPr lang="en-US" altLang="ko-KR" sz="2400" dirty="0">
-                <a:latin typeface="나눔스퀘어 ExtraBold" panose="020B0600000101010101" pitchFamily="50" charset="-127"/>
-                <a:ea typeface="나눔스퀘어 ExtraBold" panose="020B0600000101010101" pitchFamily="50" charset="-127"/>
-                <a:cs typeface="Arial" panose="020B0604020202020204" pitchFamily="34" charset="0"/>
-              </a:rPr>
-              <a:t>KG-BERT: BERT for Knowledge Graph Completion</a:t>
-            </a:r>
-          </a:p>
-          <a:p>
-            <a:pPr marL="800100" lvl="1" indent="-342900">
-              <a:lnSpc>
-                <a:spcPct val="150000"/>
-              </a:lnSpc>
-              <a:buClr>
-                <a:schemeClr val="dk1"/>
-              </a:buClr>
-              <a:buSzPts val="2000"/>
-              <a:buFont typeface="Arial" panose="020B0604020202020204" pitchFamily="34" charset="0"/>
-              <a:buChar char="•"/>
-            </a:pPr>
-            <a:r>
-              <a:rPr lang="en-US" altLang="ko-KR" sz="2000" dirty="0">
-                <a:latin typeface="나눔스퀘어 Bold" panose="020B0600000101010101" pitchFamily="50" charset="-127"/>
-                <a:ea typeface="나눔스퀘어 Bold" panose="020B0600000101010101" pitchFamily="50" charset="-127"/>
-                <a:cs typeface="Arial" panose="020B0604020202020204" pitchFamily="34" charset="0"/>
-              </a:rPr>
-              <a:t>AAAI ‘19 - </a:t>
-            </a:r>
-            <a:r>
-              <a:rPr lang="en-US" altLang="ko-KR" sz="2000" dirty="0" err="1">
-                <a:latin typeface="나눔스퀘어 Bold" panose="020B0600000101010101" pitchFamily="50" charset="-127"/>
-                <a:ea typeface="나눔스퀘어 Bold" panose="020B0600000101010101" pitchFamily="50" charset="-127"/>
-                <a:cs typeface="Arial" panose="020B0604020202020204" pitchFamily="34" charset="0"/>
-              </a:rPr>
-              <a:t>arXiv</a:t>
-            </a:r>
-            <a:r>
-              <a:rPr lang="en-US" altLang="ko-KR" sz="2000" dirty="0">
-                <a:latin typeface="나눔스퀘어 Bold" panose="020B0600000101010101" pitchFamily="50" charset="-127"/>
-                <a:ea typeface="나눔스퀘어 Bold" panose="020B0600000101010101" pitchFamily="50" charset="-127"/>
-                <a:cs typeface="Arial" panose="020B0604020202020204" pitchFamily="34" charset="0"/>
-              </a:rPr>
-              <a:t> </a:t>
-            </a:r>
-          </a:p>
-          <a:p>
-            <a:pPr marL="800100" lvl="1" indent="-342900">
-              <a:lnSpc>
-                <a:spcPct val="150000"/>
-              </a:lnSpc>
-              <a:buClr>
-                <a:schemeClr val="dk1"/>
-              </a:buClr>
-              <a:buSzPts val="2000"/>
-              <a:buFont typeface="Arial" panose="020B0604020202020204" pitchFamily="34" charset="0"/>
-              <a:buChar char="•"/>
-            </a:pPr>
-            <a:r>
-              <a:rPr lang="en-US" altLang="ko-KR" sz="2000" dirty="0">
-                <a:latin typeface="나눔스퀘어 Bold" panose="020B0600000101010101" pitchFamily="50" charset="-127"/>
-                <a:ea typeface="나눔스퀘어 Bold" panose="020B0600000101010101" pitchFamily="50" charset="-127"/>
-                <a:cs typeface="Arial" panose="020B0604020202020204" pitchFamily="34" charset="0"/>
-              </a:rPr>
-              <a:t>KG +</a:t>
-            </a:r>
-            <a:r>
-              <a:rPr lang="ko-KR" altLang="en-US" sz="2000" dirty="0">
-                <a:latin typeface="나눔스퀘어 Bold" panose="020B0600000101010101" pitchFamily="50" charset="-127"/>
-                <a:ea typeface="나눔스퀘어 Bold" panose="020B0600000101010101" pitchFamily="50" charset="-127"/>
-                <a:cs typeface="Arial" panose="020B0604020202020204" pitchFamily="34" charset="0"/>
-              </a:rPr>
-              <a:t> </a:t>
-            </a:r>
-            <a:r>
-              <a:rPr lang="en-US" altLang="ko-KR" sz="2000" dirty="0">
-                <a:latin typeface="나눔스퀘어 Bold" panose="020B0600000101010101" pitchFamily="50" charset="-127"/>
-                <a:ea typeface="나눔스퀘어 Bold" panose="020B0600000101010101" pitchFamily="50" charset="-127"/>
-                <a:cs typeface="Arial" panose="020B0604020202020204" pitchFamily="34" charset="0"/>
-              </a:rPr>
-              <a:t>BERT</a:t>
-            </a:r>
-          </a:p>
-          <a:p>
-            <a:pPr marL="800100" lvl="1" indent="-342900">
-              <a:lnSpc>
-                <a:spcPct val="150000"/>
-              </a:lnSpc>
-              <a:buClr>
-                <a:schemeClr val="dk1"/>
-              </a:buClr>
-              <a:buSzPts val="2000"/>
-              <a:buFont typeface="Arial" panose="020B0604020202020204" pitchFamily="34" charset="0"/>
-              <a:buChar char="•"/>
-            </a:pPr>
-            <a:endParaRPr lang="en-US" altLang="ko-KR" sz="2400" dirty="0">
-              <a:latin typeface="나눔스퀘어 Bold" panose="020B0600000101010101" pitchFamily="50" charset="-127"/>
-              <a:ea typeface="나눔스퀘어 Bold" panose="020B0600000101010101" pitchFamily="50" charset="-127"/>
-              <a:cs typeface="Arial" panose="020B0604020202020204" pitchFamily="34" charset="0"/>
-            </a:endParaRPr>
-          </a:p>
-          <a:p>
-            <a:pPr marL="342900" indent="-342900">
-              <a:lnSpc>
-                <a:spcPct val="150000"/>
-              </a:lnSpc>
-              <a:buClr>
-                <a:schemeClr val="dk1"/>
-              </a:buClr>
-              <a:buSzPts val="2000"/>
-              <a:buFont typeface="Arial" panose="020B0604020202020204" pitchFamily="34" charset="0"/>
-              <a:buChar char="•"/>
-            </a:pPr>
-            <a:r>
-              <a:rPr lang="en-US" altLang="ko-KR" sz="2400" dirty="0">
-                <a:latin typeface="나눔스퀘어 ExtraBold" panose="020B0600000101010101" pitchFamily="50" charset="-127"/>
-                <a:ea typeface="나눔스퀘어 ExtraBold" panose="020B0600000101010101" pitchFamily="50" charset="-127"/>
-                <a:cs typeface="Arial" panose="020B0604020202020204" pitchFamily="34" charset="0"/>
-              </a:rPr>
-              <a:t>KG-Embedding : </a:t>
-            </a:r>
-            <a:r>
-              <a:rPr lang="en-US" altLang="ko-KR" sz="2400" dirty="0" err="1">
-                <a:latin typeface="나눔스퀘어 ExtraBold" panose="020B0600000101010101" pitchFamily="50" charset="-127"/>
-                <a:ea typeface="나눔스퀘어 ExtraBold" panose="020B0600000101010101" pitchFamily="50" charset="-127"/>
-                <a:cs typeface="Arial" panose="020B0604020202020204" pitchFamily="34" charset="0"/>
-              </a:rPr>
-              <a:t>TransE</a:t>
-            </a:r>
-            <a:r>
-              <a:rPr lang="en-US" altLang="ko-KR" sz="2400" dirty="0">
-                <a:latin typeface="나눔스퀘어 ExtraBold" panose="020B0600000101010101" pitchFamily="50" charset="-127"/>
-                <a:ea typeface="나눔스퀘어 ExtraBold" panose="020B0600000101010101" pitchFamily="50" charset="-127"/>
-                <a:cs typeface="Arial" panose="020B0604020202020204" pitchFamily="34" charset="0"/>
-              </a:rPr>
-              <a:t>, </a:t>
-            </a:r>
-            <a:r>
-              <a:rPr lang="en-US" altLang="ko-KR" sz="2400" dirty="0" err="1">
-                <a:latin typeface="나눔스퀘어 ExtraBold" panose="020B0600000101010101" pitchFamily="50" charset="-127"/>
-                <a:ea typeface="나눔스퀘어 ExtraBold" panose="020B0600000101010101" pitchFamily="50" charset="-127"/>
-                <a:cs typeface="Arial" panose="020B0604020202020204" pitchFamily="34" charset="0"/>
-              </a:rPr>
-              <a:t>TransR</a:t>
-            </a:r>
-            <a:r>
-              <a:rPr lang="en-US" altLang="ko-KR" sz="2400" dirty="0">
-                <a:latin typeface="나눔스퀘어 ExtraBold" panose="020B0600000101010101" pitchFamily="50" charset="-127"/>
-                <a:ea typeface="나눔스퀘어 ExtraBold" panose="020B0600000101010101" pitchFamily="50" charset="-127"/>
-                <a:cs typeface="Arial" panose="020B0604020202020204" pitchFamily="34" charset="0"/>
-              </a:rPr>
-              <a:t>, </a:t>
-            </a:r>
-            <a:r>
-              <a:rPr lang="en-US" altLang="ko-KR" sz="2400" dirty="0" err="1">
-                <a:latin typeface="나눔스퀘어 ExtraBold" panose="020B0600000101010101" pitchFamily="50" charset="-127"/>
-                <a:ea typeface="나눔스퀘어 ExtraBold" panose="020B0600000101010101" pitchFamily="50" charset="-127"/>
-                <a:cs typeface="Arial" panose="020B0604020202020204" pitchFamily="34" charset="0"/>
-              </a:rPr>
-              <a:t>TransH</a:t>
-            </a:r>
-            <a:r>
-              <a:rPr lang="en-US" altLang="ko-KR" sz="2400" dirty="0">
-                <a:latin typeface="나눔스퀘어 ExtraBold" panose="020B0600000101010101" pitchFamily="50" charset="-127"/>
-                <a:ea typeface="나눔스퀘어 ExtraBold" panose="020B0600000101010101" pitchFamily="50" charset="-127"/>
-                <a:cs typeface="Arial" panose="020B0604020202020204" pitchFamily="34" charset="0"/>
-              </a:rPr>
-              <a:t>, </a:t>
-            </a:r>
-            <a:r>
-              <a:rPr lang="en-US" altLang="ko-KR" sz="2400" dirty="0" err="1">
-                <a:latin typeface="나눔스퀘어 ExtraBold" panose="020B0600000101010101" pitchFamily="50" charset="-127"/>
-                <a:ea typeface="나눔스퀘어 ExtraBold" panose="020B0600000101010101" pitchFamily="50" charset="-127"/>
-                <a:cs typeface="Arial" panose="020B0604020202020204" pitchFamily="34" charset="0"/>
-              </a:rPr>
-              <a:t>TransD</a:t>
-            </a:r>
-            <a:endParaRPr lang="en-US" altLang="ko-KR" sz="2000" dirty="0">
-              <a:latin typeface="나눔스퀘어 Bold" panose="020B0600000101010101" pitchFamily="50" charset="-127"/>
-              <a:ea typeface="나눔스퀘어 Bold" panose="020B0600000101010101" pitchFamily="50" charset="-127"/>
-              <a:cs typeface="Arial" panose="020B0604020202020204" pitchFamily="34" charset="0"/>
-            </a:endParaRPr>
-          </a:p>
-        </p:txBody>
-      </p:sp>
-      <p:sp>
-        <p:nvSpPr>
-          <p:cNvPr id="4" name="직사각형 3">
-            <a:extLst>
-              <a:ext uri="{FF2B5EF4-FFF2-40B4-BE49-F238E27FC236}">
-                <a16:creationId xmlns:a16="http://schemas.microsoft.com/office/drawing/2014/main" id="{95E38619-EEA9-9945-A397-4D4254891503}"/>
-              </a:ext>
-            </a:extLst>
-          </p:cNvPr>
-          <p:cNvSpPr/>
-          <p:nvPr/>
-        </p:nvSpPr>
-        <p:spPr>
-          <a:xfrm>
-            <a:off x="0" y="314960"/>
-            <a:ext cx="12192000" cy="721360"/>
-          </a:xfrm>
-          <a:prstGeom prst="rect">
-            <a:avLst/>
-          </a:prstGeom>
-          <a:solidFill>
-            <a:srgbClr val="067A82"/>
-          </a:solidFill>
-          <a:ln>
-            <a:noFill/>
-          </a:ln>
-        </p:spPr>
-        <p:style>
-          <a:lnRef idx="2">
-            <a:schemeClr val="accent1">
-              <a:shade val="50000"/>
-            </a:schemeClr>
-          </a:lnRef>
-          <a:fillRef idx="1">
-            <a:schemeClr val="accent1"/>
-          </a:fillRef>
-          <a:effectRef idx="0">
-            <a:schemeClr val="accent1"/>
-          </a:effectRef>
-          <a:fontRef idx="minor">
-            <a:schemeClr val="lt1"/>
-          </a:fontRef>
-        </p:style>
-        <p:txBody>
-          <a:bodyPr rtlCol="0" anchor="ctr"/>
-          <a:lstStyle/>
-          <a:p>
-            <a:pPr algn="ctr"/>
-            <a:endParaRPr lang="ko-KR" altLang="en-US" dirty="0">
-              <a:latin typeface="나눔스퀘어 ExtraBold" panose="020B0600000101010101" pitchFamily="50" charset="-127"/>
-              <a:cs typeface="Arial" panose="020B0604020202020204" pitchFamily="34" charset="0"/>
-            </a:endParaRPr>
-          </a:p>
-        </p:txBody>
-      </p:sp>
-      <p:sp>
-        <p:nvSpPr>
-          <p:cNvPr id="5" name="TextBox 4">
-            <a:extLst>
-              <a:ext uri="{FF2B5EF4-FFF2-40B4-BE49-F238E27FC236}">
-                <a16:creationId xmlns:a16="http://schemas.microsoft.com/office/drawing/2014/main" id="{0AB360CE-3F90-1F4C-B4CB-091450916F3D}"/>
-              </a:ext>
-            </a:extLst>
-          </p:cNvPr>
-          <p:cNvSpPr txBox="1"/>
-          <p:nvPr/>
-        </p:nvSpPr>
-        <p:spPr>
-          <a:xfrm>
-            <a:off x="389613" y="192884"/>
-            <a:ext cx="5297028" cy="843436"/>
-          </a:xfrm>
-          <a:prstGeom prst="rect">
-            <a:avLst/>
-          </a:prstGeom>
-          <a:noFill/>
-        </p:spPr>
-        <p:txBody>
-          <a:bodyPr wrap="none" rtlCol="0">
-            <a:spAutoFit/>
-          </a:bodyPr>
-          <a:lstStyle/>
-          <a:p>
-            <a:pPr>
-              <a:lnSpc>
-                <a:spcPct val="150000"/>
-              </a:lnSpc>
-            </a:pPr>
-            <a:r>
-              <a:rPr lang="en-US" altLang="ko-KR" sz="3600" b="1" dirty="0">
-                <a:solidFill>
-                  <a:schemeClr val="bg1"/>
-                </a:solidFill>
-                <a:latin typeface="나눔스퀘어 ExtraBold" panose="020B0600000101010101" pitchFamily="50" charset="-127"/>
-                <a:ea typeface="나눔스퀘어 ExtraBold" panose="020B0600000101010101" pitchFamily="50" charset="-127"/>
-                <a:cs typeface="Arial" panose="020B0604020202020204" pitchFamily="34" charset="0"/>
-              </a:rPr>
-              <a:t>6. Next</a:t>
-            </a:r>
-            <a:r>
-              <a:rPr lang="ko-KR" altLang="en-US" sz="3600" b="1" dirty="0">
-                <a:solidFill>
-                  <a:schemeClr val="bg1"/>
-                </a:solidFill>
-                <a:latin typeface="나눔스퀘어 ExtraBold" panose="020B0600000101010101" pitchFamily="50" charset="-127"/>
-                <a:ea typeface="나눔스퀘어 ExtraBold" panose="020B0600000101010101" pitchFamily="50" charset="-127"/>
-                <a:cs typeface="Arial" panose="020B0604020202020204" pitchFamily="34" charset="0"/>
-              </a:rPr>
-              <a:t> </a:t>
-            </a:r>
-            <a:r>
-              <a:rPr lang="en-US" altLang="ko-KR" sz="3600" b="1" dirty="0">
-                <a:solidFill>
-                  <a:schemeClr val="bg1"/>
-                </a:solidFill>
-                <a:latin typeface="나눔스퀘어 ExtraBold" panose="020B0600000101010101" pitchFamily="50" charset="-127"/>
-                <a:ea typeface="나눔스퀘어 ExtraBold" panose="020B0600000101010101" pitchFamily="50" charset="-127"/>
-                <a:cs typeface="Arial" panose="020B0604020202020204" pitchFamily="34" charset="0"/>
-              </a:rPr>
-              <a:t>research paper</a:t>
-            </a:r>
-            <a:endParaRPr lang="en-US" altLang="ko-KR" sz="3600" b="1" dirty="0">
-              <a:solidFill>
-                <a:schemeClr val="bg2"/>
-              </a:solidFill>
-              <a:latin typeface="나눔스퀘어 ExtraBold" panose="020B0600000101010101" pitchFamily="50" charset="-127"/>
-              <a:cs typeface="Arial" panose="020B0604020202020204" pitchFamily="34" charset="0"/>
-            </a:endParaRPr>
-          </a:p>
-        </p:txBody>
-      </p:sp>
-    </p:spTree>
-    <p:extLst>
-      <p:ext uri="{BB962C8B-B14F-4D97-AF65-F5344CB8AC3E}">
-        <p14:creationId xmlns:p14="http://schemas.microsoft.com/office/powerpoint/2010/main" val="2723046701"/>
-      </p:ext>
-    </p:extLst>
-  </p:cSld>
-  <p:clrMapOvr>
-    <a:masterClrMapping/>
   </p:clrMapOvr>
 </p:sld>
 </file>
@@ -17599,6 +18458,394 @@
       </p:grpSpPr>
       <p:sp>
         <p:nvSpPr>
+          <p:cNvPr id="6" name="Google Shape;135;p32">
+            <a:extLst>
+              <a:ext uri="{FF2B5EF4-FFF2-40B4-BE49-F238E27FC236}">
+                <a16:creationId xmlns:a16="http://schemas.microsoft.com/office/drawing/2014/main" id="{7FE52F07-F114-0B4B-97E7-FF4EDD37ED29}"/>
+              </a:ext>
+            </a:extLst>
+          </p:cNvPr>
+          <p:cNvSpPr txBox="1"/>
+          <p:nvPr/>
+        </p:nvSpPr>
+        <p:spPr>
+          <a:xfrm>
+            <a:off x="287708" y="1198279"/>
+            <a:ext cx="11616584" cy="5444434"/>
+          </a:xfrm>
+          <a:prstGeom prst="rect">
+            <a:avLst/>
+          </a:prstGeom>
+          <a:noFill/>
+          <a:ln>
+            <a:noFill/>
+          </a:ln>
+        </p:spPr>
+        <p:txBody>
+          <a:bodyPr spcFirstLastPara="1" wrap="square" lIns="91425" tIns="45700" rIns="91425" bIns="45700" anchor="t" anchorCtr="0">
+            <a:noAutofit/>
+          </a:bodyPr>
+          <a:lstStyle/>
+          <a:p>
+            <a:pPr marL="342900" lvl="0" indent="-342900">
+              <a:lnSpc>
+                <a:spcPct val="150000"/>
+              </a:lnSpc>
+              <a:buClr>
+                <a:schemeClr val="dk1"/>
+              </a:buClr>
+              <a:buSzPts val="2000"/>
+              <a:buFont typeface="Arial" panose="020B0604020202020204" pitchFamily="34" charset="0"/>
+              <a:buChar char="•"/>
+            </a:pPr>
+            <a:r>
+              <a:rPr lang="en-US" altLang="ko-KR" sz="2400" dirty="0">
+                <a:latin typeface="나눔스퀘어 ExtraBold" panose="020B0600000101010101" pitchFamily="50" charset="-127"/>
+                <a:ea typeface="나눔스퀘어 ExtraBold" panose="020B0600000101010101" pitchFamily="50" charset="-127"/>
+                <a:cs typeface="Arial" panose="020B0604020202020204" pitchFamily="34" charset="0"/>
+              </a:rPr>
+              <a:t>KG-BERT: BERT for Knowledge Graph Completion</a:t>
+            </a:r>
+          </a:p>
+          <a:p>
+            <a:pPr marL="800100" lvl="1" indent="-342900">
+              <a:lnSpc>
+                <a:spcPct val="150000"/>
+              </a:lnSpc>
+              <a:buClr>
+                <a:schemeClr val="dk1"/>
+              </a:buClr>
+              <a:buSzPts val="2000"/>
+              <a:buFont typeface="Arial" panose="020B0604020202020204" pitchFamily="34" charset="0"/>
+              <a:buChar char="•"/>
+            </a:pPr>
+            <a:r>
+              <a:rPr lang="en-US" altLang="ko-KR" sz="2000" dirty="0">
+                <a:latin typeface="나눔스퀘어 Bold" panose="020B0600000101010101" pitchFamily="50" charset="-127"/>
+                <a:ea typeface="나눔스퀘어 Bold" panose="020B0600000101010101" pitchFamily="50" charset="-127"/>
+                <a:cs typeface="Arial" panose="020B0604020202020204" pitchFamily="34" charset="0"/>
+              </a:rPr>
+              <a:t>AAAI ‘19 - </a:t>
+            </a:r>
+            <a:r>
+              <a:rPr lang="en-US" altLang="ko-KR" sz="2000" dirty="0" err="1">
+                <a:latin typeface="나눔스퀘어 Bold" panose="020B0600000101010101" pitchFamily="50" charset="-127"/>
+                <a:ea typeface="나눔스퀘어 Bold" panose="020B0600000101010101" pitchFamily="50" charset="-127"/>
+                <a:cs typeface="Arial" panose="020B0604020202020204" pitchFamily="34" charset="0"/>
+              </a:rPr>
+              <a:t>arXiv</a:t>
+            </a:r>
+            <a:r>
+              <a:rPr lang="en-US" altLang="ko-KR" sz="2000" dirty="0">
+                <a:latin typeface="나눔스퀘어 Bold" panose="020B0600000101010101" pitchFamily="50" charset="-127"/>
+                <a:ea typeface="나눔스퀘어 Bold" panose="020B0600000101010101" pitchFamily="50" charset="-127"/>
+                <a:cs typeface="Arial" panose="020B0604020202020204" pitchFamily="34" charset="0"/>
+              </a:rPr>
+              <a:t> </a:t>
+            </a:r>
+          </a:p>
+          <a:p>
+            <a:pPr marL="800100" lvl="1" indent="-342900">
+              <a:lnSpc>
+                <a:spcPct val="150000"/>
+              </a:lnSpc>
+              <a:buClr>
+                <a:schemeClr val="dk1"/>
+              </a:buClr>
+              <a:buSzPts val="2000"/>
+              <a:buFont typeface="Arial" panose="020B0604020202020204" pitchFamily="34" charset="0"/>
+              <a:buChar char="•"/>
+            </a:pPr>
+            <a:r>
+              <a:rPr lang="en-US" altLang="ko-KR" sz="2000" dirty="0">
+                <a:latin typeface="나눔스퀘어 Bold" panose="020B0600000101010101" pitchFamily="50" charset="-127"/>
+                <a:ea typeface="나눔스퀘어 Bold" panose="020B0600000101010101" pitchFamily="50" charset="-127"/>
+                <a:cs typeface="Arial" panose="020B0604020202020204" pitchFamily="34" charset="0"/>
+              </a:rPr>
+              <a:t>KG +</a:t>
+            </a:r>
+            <a:r>
+              <a:rPr lang="ko-KR" altLang="en-US" sz="2000" dirty="0">
+                <a:latin typeface="나눔스퀘어 Bold" panose="020B0600000101010101" pitchFamily="50" charset="-127"/>
+                <a:ea typeface="나눔스퀘어 Bold" panose="020B0600000101010101" pitchFamily="50" charset="-127"/>
+                <a:cs typeface="Arial" panose="020B0604020202020204" pitchFamily="34" charset="0"/>
+              </a:rPr>
+              <a:t> </a:t>
+            </a:r>
+            <a:r>
+              <a:rPr lang="en-US" altLang="ko-KR" sz="2000" dirty="0">
+                <a:latin typeface="나눔스퀘어 Bold" panose="020B0600000101010101" pitchFamily="50" charset="-127"/>
+                <a:ea typeface="나눔스퀘어 Bold" panose="020B0600000101010101" pitchFamily="50" charset="-127"/>
+                <a:cs typeface="Arial" panose="020B0604020202020204" pitchFamily="34" charset="0"/>
+              </a:rPr>
+              <a:t>BERT</a:t>
+            </a:r>
+          </a:p>
+          <a:p>
+            <a:pPr marL="800100" lvl="1" indent="-342900">
+              <a:lnSpc>
+                <a:spcPct val="150000"/>
+              </a:lnSpc>
+              <a:buClr>
+                <a:schemeClr val="dk1"/>
+              </a:buClr>
+              <a:buSzPts val="2000"/>
+              <a:buFont typeface="Arial" panose="020B0604020202020204" pitchFamily="34" charset="0"/>
+              <a:buChar char="•"/>
+            </a:pPr>
+            <a:endParaRPr lang="en-US" altLang="ko-KR" sz="2400" dirty="0">
+              <a:latin typeface="나눔스퀘어 Bold" panose="020B0600000101010101" pitchFamily="50" charset="-127"/>
+              <a:ea typeface="나눔스퀘어 Bold" panose="020B0600000101010101" pitchFamily="50" charset="-127"/>
+              <a:cs typeface="Arial" panose="020B0604020202020204" pitchFamily="34" charset="0"/>
+            </a:endParaRPr>
+          </a:p>
+          <a:p>
+            <a:pPr marL="342900" indent="-342900">
+              <a:lnSpc>
+                <a:spcPct val="150000"/>
+              </a:lnSpc>
+              <a:buClr>
+                <a:schemeClr val="dk1"/>
+              </a:buClr>
+              <a:buSzPts val="2000"/>
+              <a:buFont typeface="Arial" panose="020B0604020202020204" pitchFamily="34" charset="0"/>
+              <a:buChar char="•"/>
+            </a:pPr>
+            <a:r>
+              <a:rPr lang="en-US" altLang="ko-KR" sz="2400" dirty="0">
+                <a:latin typeface="나눔스퀘어 ExtraBold" panose="020B0600000101010101" pitchFamily="50" charset="-127"/>
+                <a:ea typeface="나눔스퀘어 ExtraBold" panose="020B0600000101010101" pitchFamily="50" charset="-127"/>
+                <a:cs typeface="Arial" panose="020B0604020202020204" pitchFamily="34" charset="0"/>
+              </a:rPr>
+              <a:t>KG-Embedding : </a:t>
+            </a:r>
+            <a:r>
+              <a:rPr lang="en-US" altLang="ko-KR" sz="2400" dirty="0" err="1">
+                <a:latin typeface="나눔스퀘어 ExtraBold" panose="020B0600000101010101" pitchFamily="50" charset="-127"/>
+                <a:ea typeface="나눔스퀘어 ExtraBold" panose="020B0600000101010101" pitchFamily="50" charset="-127"/>
+                <a:cs typeface="Arial" panose="020B0604020202020204" pitchFamily="34" charset="0"/>
+              </a:rPr>
+              <a:t>TransE</a:t>
+            </a:r>
+            <a:r>
+              <a:rPr lang="en-US" altLang="ko-KR" sz="2400" dirty="0">
+                <a:latin typeface="나눔스퀘어 ExtraBold" panose="020B0600000101010101" pitchFamily="50" charset="-127"/>
+                <a:ea typeface="나눔스퀘어 ExtraBold" panose="020B0600000101010101" pitchFamily="50" charset="-127"/>
+                <a:cs typeface="Arial" panose="020B0604020202020204" pitchFamily="34" charset="0"/>
+              </a:rPr>
+              <a:t>, </a:t>
+            </a:r>
+            <a:r>
+              <a:rPr lang="en-US" altLang="ko-KR" sz="2400" dirty="0" err="1">
+                <a:latin typeface="나눔스퀘어 ExtraBold" panose="020B0600000101010101" pitchFamily="50" charset="-127"/>
+                <a:ea typeface="나눔스퀘어 ExtraBold" panose="020B0600000101010101" pitchFamily="50" charset="-127"/>
+                <a:cs typeface="Arial" panose="020B0604020202020204" pitchFamily="34" charset="0"/>
+              </a:rPr>
+              <a:t>TransR</a:t>
+            </a:r>
+            <a:r>
+              <a:rPr lang="en-US" altLang="ko-KR" sz="2400" dirty="0">
+                <a:latin typeface="나눔스퀘어 ExtraBold" panose="020B0600000101010101" pitchFamily="50" charset="-127"/>
+                <a:ea typeface="나눔스퀘어 ExtraBold" panose="020B0600000101010101" pitchFamily="50" charset="-127"/>
+                <a:cs typeface="Arial" panose="020B0604020202020204" pitchFamily="34" charset="0"/>
+              </a:rPr>
+              <a:t>, </a:t>
+            </a:r>
+            <a:r>
+              <a:rPr lang="en-US" altLang="ko-KR" sz="2400" dirty="0" err="1">
+                <a:latin typeface="나눔스퀘어 ExtraBold" panose="020B0600000101010101" pitchFamily="50" charset="-127"/>
+                <a:ea typeface="나눔스퀘어 ExtraBold" panose="020B0600000101010101" pitchFamily="50" charset="-127"/>
+                <a:cs typeface="Arial" panose="020B0604020202020204" pitchFamily="34" charset="0"/>
+              </a:rPr>
+              <a:t>TransH</a:t>
+            </a:r>
+            <a:r>
+              <a:rPr lang="en-US" altLang="ko-KR" sz="2400" dirty="0">
+                <a:latin typeface="나눔스퀘어 ExtraBold" panose="020B0600000101010101" pitchFamily="50" charset="-127"/>
+                <a:ea typeface="나눔스퀘어 ExtraBold" panose="020B0600000101010101" pitchFamily="50" charset="-127"/>
+                <a:cs typeface="Arial" panose="020B0604020202020204" pitchFamily="34" charset="0"/>
+              </a:rPr>
+              <a:t>, </a:t>
+            </a:r>
+            <a:r>
+              <a:rPr lang="en-US" altLang="ko-KR" sz="2400" dirty="0" err="1">
+                <a:latin typeface="나눔스퀘어 ExtraBold" panose="020B0600000101010101" pitchFamily="50" charset="-127"/>
+                <a:ea typeface="나눔스퀘어 ExtraBold" panose="020B0600000101010101" pitchFamily="50" charset="-127"/>
+                <a:cs typeface="Arial" panose="020B0604020202020204" pitchFamily="34" charset="0"/>
+              </a:rPr>
+              <a:t>TransD</a:t>
+            </a:r>
+            <a:endParaRPr lang="en-US" altLang="ko-KR" sz="2000" dirty="0">
+              <a:latin typeface="나눔스퀘어 Bold" panose="020B0600000101010101" pitchFamily="50" charset="-127"/>
+              <a:ea typeface="나눔스퀘어 Bold" panose="020B0600000101010101" pitchFamily="50" charset="-127"/>
+              <a:cs typeface="Arial" panose="020B0604020202020204" pitchFamily="34" charset="0"/>
+            </a:endParaRPr>
+          </a:p>
+        </p:txBody>
+      </p:sp>
+      <p:sp>
+        <p:nvSpPr>
+          <p:cNvPr id="4" name="직사각형 3">
+            <a:extLst>
+              <a:ext uri="{FF2B5EF4-FFF2-40B4-BE49-F238E27FC236}">
+                <a16:creationId xmlns:a16="http://schemas.microsoft.com/office/drawing/2014/main" id="{95E38619-EEA9-9945-A397-4D4254891503}"/>
+              </a:ext>
+            </a:extLst>
+          </p:cNvPr>
+          <p:cNvSpPr/>
+          <p:nvPr/>
+        </p:nvSpPr>
+        <p:spPr>
+          <a:xfrm>
+            <a:off x="0" y="314960"/>
+            <a:ext cx="12192000" cy="721360"/>
+          </a:xfrm>
+          <a:prstGeom prst="rect">
+            <a:avLst/>
+          </a:prstGeom>
+          <a:solidFill>
+            <a:srgbClr val="067A82"/>
+          </a:solidFill>
+          <a:ln>
+            <a:noFill/>
+          </a:ln>
+        </p:spPr>
+        <p:style>
+          <a:lnRef idx="2">
+            <a:schemeClr val="accent1">
+              <a:shade val="50000"/>
+            </a:schemeClr>
+          </a:lnRef>
+          <a:fillRef idx="1">
+            <a:schemeClr val="accent1"/>
+          </a:fillRef>
+          <a:effectRef idx="0">
+            <a:schemeClr val="accent1"/>
+          </a:effectRef>
+          <a:fontRef idx="minor">
+            <a:schemeClr val="lt1"/>
+          </a:fontRef>
+        </p:style>
+        <p:txBody>
+          <a:bodyPr rtlCol="0" anchor="ctr"/>
+          <a:lstStyle/>
+          <a:p>
+            <a:pPr algn="ctr"/>
+            <a:endParaRPr lang="ko-KR" altLang="en-US" dirty="0">
+              <a:latin typeface="나눔스퀘어 ExtraBold" panose="020B0600000101010101" pitchFamily="50" charset="-127"/>
+              <a:cs typeface="Arial" panose="020B0604020202020204" pitchFamily="34" charset="0"/>
+            </a:endParaRPr>
+          </a:p>
+        </p:txBody>
+      </p:sp>
+      <p:sp>
+        <p:nvSpPr>
+          <p:cNvPr id="5" name="TextBox 4">
+            <a:extLst>
+              <a:ext uri="{FF2B5EF4-FFF2-40B4-BE49-F238E27FC236}">
+                <a16:creationId xmlns:a16="http://schemas.microsoft.com/office/drawing/2014/main" id="{0AB360CE-3F90-1F4C-B4CB-091450916F3D}"/>
+              </a:ext>
+            </a:extLst>
+          </p:cNvPr>
+          <p:cNvSpPr txBox="1"/>
+          <p:nvPr/>
+        </p:nvSpPr>
+        <p:spPr>
+          <a:xfrm>
+            <a:off x="389613" y="192884"/>
+            <a:ext cx="5297028" cy="843436"/>
+          </a:xfrm>
+          <a:prstGeom prst="rect">
+            <a:avLst/>
+          </a:prstGeom>
+          <a:noFill/>
+        </p:spPr>
+        <p:txBody>
+          <a:bodyPr wrap="none" rtlCol="0">
+            <a:spAutoFit/>
+          </a:bodyPr>
+          <a:lstStyle/>
+          <a:p>
+            <a:pPr>
+              <a:lnSpc>
+                <a:spcPct val="150000"/>
+              </a:lnSpc>
+            </a:pPr>
+            <a:r>
+              <a:rPr lang="en-US" altLang="ko-KR" sz="3600" b="1" dirty="0">
+                <a:solidFill>
+                  <a:schemeClr val="bg1"/>
+                </a:solidFill>
+                <a:latin typeface="나눔스퀘어 ExtraBold" panose="020B0600000101010101" pitchFamily="50" charset="-127"/>
+                <a:ea typeface="나눔스퀘어 ExtraBold" panose="020B0600000101010101" pitchFamily="50" charset="-127"/>
+                <a:cs typeface="Arial" panose="020B0604020202020204" pitchFamily="34" charset="0"/>
+              </a:rPr>
+              <a:t>6. Next</a:t>
+            </a:r>
+            <a:r>
+              <a:rPr lang="ko-KR" altLang="en-US" sz="3600" b="1" dirty="0">
+                <a:solidFill>
+                  <a:schemeClr val="bg1"/>
+                </a:solidFill>
+                <a:latin typeface="나눔스퀘어 ExtraBold" panose="020B0600000101010101" pitchFamily="50" charset="-127"/>
+                <a:ea typeface="나눔스퀘어 ExtraBold" panose="020B0600000101010101" pitchFamily="50" charset="-127"/>
+                <a:cs typeface="Arial" panose="020B0604020202020204" pitchFamily="34" charset="0"/>
+              </a:rPr>
+              <a:t> </a:t>
+            </a:r>
+            <a:r>
+              <a:rPr lang="en-US" altLang="ko-KR" sz="3600" b="1" dirty="0">
+                <a:solidFill>
+                  <a:schemeClr val="bg1"/>
+                </a:solidFill>
+                <a:latin typeface="나눔스퀘어 ExtraBold" panose="020B0600000101010101" pitchFamily="50" charset="-127"/>
+                <a:ea typeface="나눔스퀘어 ExtraBold" panose="020B0600000101010101" pitchFamily="50" charset="-127"/>
+                <a:cs typeface="Arial" panose="020B0604020202020204" pitchFamily="34" charset="0"/>
+              </a:rPr>
+              <a:t>research paper</a:t>
+            </a:r>
+            <a:endParaRPr lang="en-US" altLang="ko-KR" sz="3600" b="1" dirty="0">
+              <a:solidFill>
+                <a:schemeClr val="bg2"/>
+              </a:solidFill>
+              <a:latin typeface="나눔스퀘어 ExtraBold" panose="020B0600000101010101" pitchFamily="50" charset="-127"/>
+              <a:cs typeface="Arial" panose="020B0604020202020204" pitchFamily="34" charset="0"/>
+            </a:endParaRPr>
+          </a:p>
+        </p:txBody>
+      </p:sp>
+    </p:spTree>
+    <p:extLst>
+      <p:ext uri="{BB962C8B-B14F-4D97-AF65-F5344CB8AC3E}">
+        <p14:creationId xmlns:p14="http://schemas.microsoft.com/office/powerpoint/2010/main" val="2723046701"/>
+      </p:ext>
+    </p:extLst>
+  </p:cSld>
+  <p:clrMapOvr>
+    <a:masterClrMapping/>
+  </p:clrMapOvr>
+</p:sld>
+</file>
+
+<file path=ppt/slides/slide21.xml><?xml version="1.0" encoding="utf-8"?>
+<p:sld xmlns:a="http://schemas.openxmlformats.org/drawingml/2006/main" xmlns:r="http://schemas.openxmlformats.org/officeDocument/2006/relationships" xmlns:p="http://schemas.openxmlformats.org/presentationml/2006/main">
+  <p:cSld>
+    <p:spTree>
+      <p:nvGrpSpPr>
+        <p:cNvPr id="1" name=""/>
+        <p:cNvGrpSpPr/>
+        <p:nvPr/>
+      </p:nvGrpSpPr>
+      <p:grpSpPr>
+        <a:xfrm>
+          <a:off x="0" y="0"/>
+          <a:ext cx="0" cy="0"/>
+          <a:chOff x="0" y="0"/>
+          <a:chExt cx="0" cy="0"/>
+        </a:xfrm>
+      </p:grpSpPr>
+      <p:sp>
+        <p:nvSpPr>
           <p:cNvPr id="9" name="TextBox 8"/>
           <p:cNvSpPr txBox="1"/>
           <p:nvPr/>
@@ -17758,7 +19005,7 @@
 </p:sld>
 </file>
 
-<file path=ppt/slides/slide21.xml><?xml version="1.0" encoding="utf-8"?>
+<file path=ppt/slides/slide22.xml><?xml version="1.0" encoding="utf-8"?>
 <p:sld xmlns:a="http://schemas.openxmlformats.org/drawingml/2006/main" xmlns:r="http://schemas.openxmlformats.org/officeDocument/2006/relationships" xmlns:p="http://schemas.openxmlformats.org/presentationml/2006/main">
   <p:cSld>
     <p:spTree>
